--- a/randoop.pptx
+++ b/randoop.pptx
@@ -5,10 +5,10 @@
     <p:sldMasterId id="2147483648" r:id="rId4"/>
   </p:sldMasterIdLst>
   <p:notesMasterIdLst>
-    <p:notesMasterId r:id="rId26"/>
+    <p:notesMasterId r:id="rId27"/>
   </p:notesMasterIdLst>
   <p:handoutMasterIdLst>
-    <p:handoutMasterId r:id="rId27"/>
+    <p:handoutMasterId r:id="rId28"/>
   </p:handoutMasterIdLst>
   <p:sldIdLst>
     <p:sldId id="265" r:id="rId5"/>
@@ -16,27 +16,28 @@
     <p:sldId id="316" r:id="rId7"/>
     <p:sldId id="317" r:id="rId8"/>
     <p:sldId id="318" r:id="rId9"/>
-    <p:sldId id="319" r:id="rId10"/>
-    <p:sldId id="320" r:id="rId11"/>
-    <p:sldId id="321" r:id="rId12"/>
-    <p:sldId id="322" r:id="rId13"/>
-    <p:sldId id="323" r:id="rId14"/>
-    <p:sldId id="325" r:id="rId15"/>
-    <p:sldId id="324" r:id="rId16"/>
-    <p:sldId id="326" r:id="rId17"/>
-    <p:sldId id="327" r:id="rId18"/>
-    <p:sldId id="329" r:id="rId19"/>
-    <p:sldId id="330" r:id="rId20"/>
-    <p:sldId id="328" r:id="rId21"/>
-    <p:sldId id="333" r:id="rId22"/>
-    <p:sldId id="335" r:id="rId23"/>
-    <p:sldId id="336" r:id="rId24"/>
-    <p:sldId id="314" r:id="rId25"/>
+    <p:sldId id="337" r:id="rId10"/>
+    <p:sldId id="319" r:id="rId11"/>
+    <p:sldId id="320" r:id="rId12"/>
+    <p:sldId id="321" r:id="rId13"/>
+    <p:sldId id="322" r:id="rId14"/>
+    <p:sldId id="323" r:id="rId15"/>
+    <p:sldId id="325" r:id="rId16"/>
+    <p:sldId id="324" r:id="rId17"/>
+    <p:sldId id="326" r:id="rId18"/>
+    <p:sldId id="327" r:id="rId19"/>
+    <p:sldId id="329" r:id="rId20"/>
+    <p:sldId id="330" r:id="rId21"/>
+    <p:sldId id="328" r:id="rId22"/>
+    <p:sldId id="333" r:id="rId23"/>
+    <p:sldId id="335" r:id="rId24"/>
+    <p:sldId id="336" r:id="rId25"/>
+    <p:sldId id="314" r:id="rId26"/>
   </p:sldIdLst>
   <p:sldSz cx="12188825" cy="6858000"/>
   <p:notesSz cx="6858000" cy="9144000"/>
   <p:custDataLst>
-    <p:tags r:id="rId28"/>
+    <p:tags r:id="rId29"/>
   </p:custDataLst>
   <p:defaultTextStyle>
     <a:defPPr>
@@ -249,7 +250,7 @@
           <a:p>
             <a:fld id="{59088EAF-6ECA-4616-85EF-35AA19C641F3}" type="datetimeFigureOut">
               <a:rPr lang="en-US"/>
-              <a:t>4/25/2017</a:t>
+              <a:t>4/28/2017</a:t>
             </a:fld>
             <a:endParaRPr/>
           </a:p>
@@ -414,7 +415,7 @@
           <a:p>
             <a:fld id="{3ABD2D7A-D230-4F91-BD59-0A39C2703BA8}" type="datetimeFigureOut">
               <a:rPr lang="en-US"/>
-              <a:t>4/25/2017</a:t>
+              <a:t>4/28/2017</a:t>
             </a:fld>
             <a:endParaRPr/>
           </a:p>
@@ -1210,7 +1211,7 @@
           <a:p>
             <a:fld id="{03F41C87-7AD9-4845-A077-840E4A0F3F06}" type="datetimeFigureOut">
               <a:rPr lang="en-US"/>
-              <a:t>4/25/2017</a:t>
+              <a:t>4/28/2017</a:t>
             </a:fld>
             <a:endParaRPr/>
           </a:p>
@@ -1402,7 +1403,7 @@
           <a:p>
             <a:fld id="{03F41C87-7AD9-4845-A077-840E4A0F3F06}" type="datetimeFigureOut">
               <a:rPr lang="en-US"/>
-              <a:t>4/25/2017</a:t>
+              <a:t>4/28/2017</a:t>
             </a:fld>
             <a:endParaRPr/>
           </a:p>
@@ -1591,7 +1592,7 @@
           <a:p>
             <a:fld id="{03F41C87-7AD9-4845-A077-840E4A0F3F06}" type="datetimeFigureOut">
               <a:rPr lang="en-US"/>
-              <a:t>4/25/2017</a:t>
+              <a:t>4/28/2017</a:t>
             </a:fld>
             <a:endParaRPr/>
           </a:p>
@@ -1871,7 +1872,7 @@
           <a:p>
             <a:fld id="{03F41C87-7AD9-4845-A077-840E4A0F3F06}" type="datetimeFigureOut">
               <a:rPr lang="en-US"/>
-              <a:t>4/25/2017</a:t>
+              <a:t>4/28/2017</a:t>
             </a:fld>
             <a:endParaRPr/>
           </a:p>
@@ -2175,7 +2176,7 @@
           <a:p>
             <a:fld id="{03F41C87-7AD9-4845-A077-840E4A0F3F06}" type="datetimeFigureOut">
               <a:rPr lang="en-US"/>
-              <a:t>4/25/2017</a:t>
+              <a:t>4/28/2017</a:t>
             </a:fld>
             <a:endParaRPr/>
           </a:p>
@@ -2631,7 +2632,7 @@
           <a:p>
             <a:fld id="{03F41C87-7AD9-4845-A077-840E4A0F3F06}" type="datetimeFigureOut">
               <a:rPr lang="en-US"/>
-              <a:t>4/25/2017</a:t>
+              <a:t>4/28/2017</a:t>
             </a:fld>
             <a:endParaRPr/>
           </a:p>
@@ -2761,7 +2762,7 @@
           <a:p>
             <a:fld id="{03F41C87-7AD9-4845-A077-840E4A0F3F06}" type="datetimeFigureOut">
               <a:rPr lang="en-US"/>
-              <a:t>4/25/2017</a:t>
+              <a:t>4/28/2017</a:t>
             </a:fld>
             <a:endParaRPr/>
           </a:p>
@@ -2876,7 +2877,7 @@
           <a:p>
             <a:fld id="{03F41C87-7AD9-4845-A077-840E4A0F3F06}" type="datetimeFigureOut">
               <a:rPr lang="en-US"/>
-              <a:t>4/25/2017</a:t>
+              <a:t>4/28/2017</a:t>
             </a:fld>
             <a:endParaRPr/>
           </a:p>
@@ -3198,7 +3199,7 @@
           <a:p>
             <a:fld id="{03F41C87-7AD9-4845-A077-840E4A0F3F06}" type="datetimeFigureOut">
               <a:rPr lang="en-US"/>
-              <a:t>4/25/2017</a:t>
+              <a:t>4/28/2017</a:t>
             </a:fld>
             <a:endParaRPr/>
           </a:p>
@@ -3510,7 +3511,7 @@
             <a:fld id="{03F41C87-7AD9-4845-A077-840E4A0F3F06}" type="datetimeFigureOut">
               <a:rPr lang="en-US"/>
               <a:pPr/>
-              <a:t>4/25/2017</a:t>
+              <a:t>4/28/2017</a:t>
             </a:fld>
             <a:endParaRPr/>
           </a:p>
@@ -3764,7 +3765,7 @@
             <a:fld id="{03F41C87-7AD9-4845-A077-840E4A0F3F06}" type="datetimeFigureOut">
               <a:rPr lang="en-US" smtClean="0"/>
               <a:pPr/>
-              <a:t>4/25/2017</a:t>
+              <a:t>4/28/2017</a:t>
             </a:fld>
             <a:endParaRPr lang="en-US"/>
           </a:p>
@@ -4375,8 +4376,8 @@
         </p:nvSpPr>
         <p:spPr>
           <a:xfrm>
-            <a:off x="7999412" y="1177210"/>
-            <a:ext cx="3810000" cy="5375990"/>
+            <a:off x="5942012" y="1177212"/>
+            <a:ext cx="5257800" cy="5029200"/>
           </a:xfrm>
         </p:spPr>
         <p:txBody>
@@ -4390,37 +4391,20 @@
             </a:pPr>
             <a:r>
               <a:rPr lang="en-US" dirty="0"/>
-              <a:t>Example generated test.</a:t>
-            </a:r>
-          </a:p>
-          <a:p>
-            <a:pPr marL="0" indent="0">
-              <a:buNone/>
-            </a:pPr>
-            <a:r>
-              <a:rPr lang="en-US" dirty="0"/>
-              <a:t> Assert*() checks that a value creates an </a:t>
-            </a:r>
-            <a:r>
-              <a:rPr lang="en-US" dirty="0" err="1"/>
-              <a:t>ArrayIndexOutofBounds</a:t>
-            </a:r>
-            <a:r>
-              <a:rPr lang="en-US" dirty="0"/>
-              <a:t> exception. </a:t>
+              <a:t>The contents of the previously mentioned RegressionTest.java file.</a:t>
             </a:r>
           </a:p>
         </p:txBody>
       </p:sp>
       <p:pic>
         <p:nvPicPr>
-          <p:cNvPr id="7170" name="Picture 2" descr="Use_Case_1_7"/>
+          <p:cNvPr id="5124" name="Picture 4" descr="Use_Case_1_5"/>
           <p:cNvPicPr>
             <a:picLocks noChangeAspect="1" noChangeArrowheads="1"/>
           </p:cNvPicPr>
           <p:nvPr/>
         </p:nvPicPr>
-        <p:blipFill>
+        <p:blipFill rotWithShape="1">
           <a:blip r:embed="rId2">
             <a:extLst>
               <a:ext uri="{28A0092B-C50C-407E-A947-70E740481C1C}">
@@ -4428,15 +4412,13 @@
               </a:ext>
             </a:extLst>
           </a:blip>
-          <a:srcRect/>
-          <a:stretch>
-            <a:fillRect/>
-          </a:stretch>
+          <a:srcRect t="1" r="543" b="41244"/>
+          <a:stretch/>
         </p:blipFill>
         <p:spPr bwMode="auto">
           <a:xfrm>
-            <a:off x="379411" y="1177210"/>
-            <a:ext cx="7424995" cy="5147389"/>
+            <a:off x="379412" y="1205874"/>
+            <a:ext cx="4389120" cy="3200400"/>
           </a:xfrm>
           <a:prstGeom prst="rect">
             <a:avLst/>
@@ -4453,41 +4435,55 @@
           </a:extLst>
         </p:spPr>
       </p:pic>
+      <p:pic>
+        <p:nvPicPr>
+          <p:cNvPr id="3" name="Picture 2"/>
+          <p:cNvPicPr>
+            <a:picLocks noChangeAspect="1"/>
+          </p:cNvPicPr>
+          <p:nvPr/>
+        </p:nvPicPr>
+        <p:blipFill rotWithShape="1">
+          <a:blip r:embed="rId3"/>
+          <a:srcRect l="358" t="47271" r="358" b="1"/>
+          <a:stretch/>
+        </p:blipFill>
+        <p:spPr>
+          <a:xfrm>
+            <a:off x="379412" y="3920412"/>
+            <a:ext cx="4389120" cy="2651760"/>
+          </a:xfrm>
+          <a:prstGeom prst="rect">
+            <a:avLst/>
+          </a:prstGeom>
+        </p:spPr>
+      </p:pic>
       <p:sp>
         <p:nvSpPr>
-          <p:cNvPr id="2" name="Oval 1"/>
+          <p:cNvPr id="6" name="Rectangle: Rounded Corners 5"/>
           <p:cNvSpPr/>
           <p:nvPr/>
         </p:nvSpPr>
         <p:spPr>
           <a:xfrm>
-            <a:off x="1598612" y="4191000"/>
-            <a:ext cx="914400" cy="533400"/>
+            <a:off x="150812" y="3897084"/>
+            <a:ext cx="4800600" cy="328127"/>
           </a:xfrm>
-          <a:prstGeom prst="ellipse">
+          <a:prstGeom prst="roundRect">
             <a:avLst/>
           </a:prstGeom>
-          <a:noFill/>
-          <a:ln w="28575">
-            <a:solidFill>
-              <a:schemeClr val="accent3">
-                <a:lumMod val="60000"/>
-                <a:lumOff val="40000"/>
-              </a:schemeClr>
-            </a:solidFill>
-          </a:ln>
         </p:spPr>
         <p:style>
           <a:lnRef idx="2">
-            <a:schemeClr val="accent2">
+            <a:schemeClr val="accent1">
               <a:shade val="50000"/>
             </a:schemeClr>
           </a:lnRef>
           <a:fillRef idx="1">
-            <a:schemeClr val="accent2"/>
+            <a:schemeClr val="accent1"/>
           </a:fillRef>
           <a:effectRef idx="0">
-            <a:schemeClr val="accent2"/>
+            <a:schemeClr val="accent1"/>
           </a:effectRef>
           <a:fontRef idx="minor">
             <a:schemeClr val="lt1"/>
@@ -4498,89 +4494,25 @@
           <a:lstStyle/>
           <a:p>
             <a:pPr algn="ctr"/>
-            <a:endParaRPr lang="en-US" b="1">
-              <a:ln w="22225">
-                <a:solidFill>
-                  <a:schemeClr val="accent2"/>
-                </a:solidFill>
-                <a:prstDash val="solid"/>
-              </a:ln>
-              <a:solidFill>
-                <a:schemeClr val="accent2">
-                  <a:lumMod val="40000"/>
-                  <a:lumOff val="60000"/>
-                </a:schemeClr>
-              </a:solidFill>
-            </a:endParaRPr>
-          </a:p>
-        </p:txBody>
-      </p:sp>
-      <p:sp>
-        <p:nvSpPr>
-          <p:cNvPr id="9" name="Oval 8"/>
-          <p:cNvSpPr/>
-          <p:nvPr/>
-        </p:nvSpPr>
-        <p:spPr>
-          <a:xfrm>
-            <a:off x="5332411" y="4191000"/>
-            <a:ext cx="2471995" cy="533400"/>
-          </a:xfrm>
-          <a:prstGeom prst="ellipse">
-            <a:avLst/>
-          </a:prstGeom>
-          <a:noFill/>
-          <a:ln w="28575">
-            <a:solidFill>
-              <a:schemeClr val="accent3">
-                <a:lumMod val="60000"/>
-                <a:lumOff val="40000"/>
-              </a:schemeClr>
-            </a:solidFill>
-          </a:ln>
-        </p:spPr>
-        <p:style>
-          <a:lnRef idx="2">
-            <a:schemeClr val="accent2">
-              <a:shade val="50000"/>
-            </a:schemeClr>
-          </a:lnRef>
-          <a:fillRef idx="1">
-            <a:schemeClr val="accent2"/>
-          </a:fillRef>
-          <a:effectRef idx="0">
-            <a:schemeClr val="accent2"/>
-          </a:effectRef>
-          <a:fontRef idx="minor">
-            <a:schemeClr val="lt1"/>
-          </a:fontRef>
-        </p:style>
-        <p:txBody>
-          <a:bodyPr rtlCol="0" anchor="ctr"/>
-          <a:lstStyle/>
-          <a:p>
-            <a:pPr algn="ctr"/>
-            <a:endParaRPr lang="en-US" b="1">
-              <a:ln w="22225">
-                <a:solidFill>
-                  <a:schemeClr val="accent2"/>
-                </a:solidFill>
-                <a:prstDash val="solid"/>
-              </a:ln>
-              <a:solidFill>
-                <a:schemeClr val="accent2">
-                  <a:lumMod val="40000"/>
-                  <a:lumOff val="60000"/>
-                </a:schemeClr>
-              </a:solidFill>
-            </a:endParaRPr>
+            <a:r>
+              <a:rPr lang="en-US" sz="2400" dirty="0">
+                <a:effectLst>
+                  <a:outerShdw blurRad="38100" dist="38100" dir="2700000" algn="tl">
+                    <a:srgbClr val="000000">
+                      <a:alpha val="43137"/>
+                    </a:srgbClr>
+                  </a:outerShdw>
+                </a:effectLst>
+              </a:rPr>
+              <a:t>……</a:t>
+            </a:r>
           </a:p>
         </p:txBody>
       </p:sp>
     </p:spTree>
     <p:extLst>
       <p:ext uri="{BB962C8B-B14F-4D97-AF65-F5344CB8AC3E}">
-        <p14:creationId xmlns:p14="http://schemas.microsoft.com/office/powerpoint/2010/main" val="2546328802"/>
+        <p14:creationId xmlns:p14="http://schemas.microsoft.com/office/powerpoint/2010/main" val="98783954"/>
       </p:ext>
     </p:extLst>
   </p:cSld>
@@ -4632,7 +4564,7 @@
         <p:spPr>
           <a:xfrm>
             <a:off x="912812" y="0"/>
-            <a:ext cx="9144001" cy="838200"/>
+            <a:ext cx="9144001" cy="857511"/>
           </a:xfrm>
         </p:spPr>
         <p:txBody>
@@ -4651,7 +4583,7 @@
                   </a:outerShdw>
                 </a:effectLst>
               </a:rPr>
-              <a:t>Use Case 2…</a:t>
+              <a:t>Use Case 1…</a:t>
             </a:r>
           </a:p>
         </p:txBody>
@@ -4668,8 +4600,8 @@
         </p:nvSpPr>
         <p:spPr>
           <a:xfrm>
-            <a:off x="4057296" y="1143000"/>
-            <a:ext cx="7599716" cy="5029200"/>
+            <a:off x="7999412" y="1177210"/>
+            <a:ext cx="3810000" cy="5375990"/>
           </a:xfrm>
         </p:spPr>
         <p:txBody>
@@ -4682,32 +4614,8 @@
               <a:buNone/>
             </a:pPr>
             <a:r>
-              <a:rPr lang="en-US" b="1" dirty="0" err="1"/>
-              <a:t>Frogger</a:t>
-            </a:r>
-            <a:r>
-              <a:rPr lang="en-US" b="1" dirty="0"/>
-              <a:t> project</a:t>
-            </a:r>
-            <a:r>
               <a:rPr lang="en-US" dirty="0"/>
-              <a:t>: a game that emulates the original </a:t>
-            </a:r>
-            <a:r>
-              <a:rPr lang="en-US" dirty="0" err="1"/>
-              <a:t>Frogger</a:t>
-            </a:r>
-            <a:r>
-              <a:rPr lang="en-US" dirty="0"/>
-              <a:t> </a:t>
-            </a:r>
-            <a:r>
-              <a:rPr lang="en-US" dirty="0" err="1"/>
-              <a:t>aracade</a:t>
-            </a:r>
-            <a:r>
-              <a:rPr lang="en-US" dirty="0"/>
-              <a:t> game. </a:t>
+              <a:t>Example generated test.</a:t>
             </a:r>
           </a:p>
           <a:p>
@@ -4716,105 +4624,28 @@
             </a:pPr>
             <a:r>
               <a:rPr lang="en-US" dirty="0"/>
-              <a:t>Instead having to enter multiple </a:t>
-            </a:r>
-            <a:r>
-              <a:rPr lang="en-US" b="1" dirty="0" err="1"/>
-              <a:t>testclass</a:t>
-            </a:r>
-            <a:r>
-              <a:rPr lang="en-US" b="1" dirty="0"/>
-              <a:t>=&lt;</a:t>
-            </a:r>
-            <a:r>
-              <a:rPr lang="en-US" b="1" dirty="0" err="1"/>
-              <a:t>classname</a:t>
-            </a:r>
-            <a:r>
-              <a:rPr lang="en-US" b="1" dirty="0"/>
-              <a:t>&gt;</a:t>
+              <a:t> Assert*() checks that a value creates an </a:t>
+            </a:r>
+            <a:r>
+              <a:rPr lang="en-US" dirty="0" err="1"/>
+              <a:t>ArrayIndexOutofBounds</a:t>
             </a:r>
             <a:r>
               <a:rPr lang="en-US" dirty="0"/>
-              <a:t> commands, a user can create a </a:t>
-            </a:r>
-            <a:r>
-              <a:rPr lang="en-US" dirty="0" err="1"/>
-              <a:t>textfile</a:t>
-            </a:r>
-            <a:r>
-              <a:rPr lang="en-US" dirty="0"/>
-              <a:t> that includes all of the class files that the user wants to use to create test files. The text file </a:t>
-            </a:r>
-            <a:r>
-              <a:rPr lang="en-US" b="1" dirty="0"/>
-              <a:t>testclasses.txt</a:t>
-            </a:r>
-            <a:r>
-              <a:rPr lang="en-US" dirty="0"/>
-              <a:t> is listed.</a:t>
-            </a:r>
-          </a:p>
-          <a:p>
-            <a:pPr marL="0" indent="0">
-              <a:buNone/>
-            </a:pPr>
-            <a:r>
-              <a:rPr lang="en-US" dirty="0"/>
-              <a:t>All the user has to do is place the </a:t>
-            </a:r>
-            <a:r>
-              <a:rPr lang="en-US" dirty="0" err="1"/>
-              <a:t>textfile</a:t>
-            </a:r>
-            <a:r>
-              <a:rPr lang="en-US" dirty="0"/>
-              <a:t> into the designate </a:t>
-            </a:r>
-            <a:r>
-              <a:rPr lang="en-US" dirty="0" err="1"/>
-              <a:t>classpath</a:t>
-            </a:r>
-            <a:r>
-              <a:rPr lang="en-US" dirty="0"/>
-              <a:t> and invoke the file using the command </a:t>
-            </a:r>
-            <a:r>
-              <a:rPr lang="en-US" b="1" dirty="0"/>
-              <a:t>--</a:t>
-            </a:r>
-            <a:r>
-              <a:rPr lang="en-US" b="1" dirty="0" err="1"/>
-              <a:t>classlist</a:t>
-            </a:r>
-            <a:r>
-              <a:rPr lang="en-US" b="1" dirty="0"/>
-              <a:t>=&lt;</a:t>
-            </a:r>
-            <a:r>
-              <a:rPr lang="en-US" b="1" dirty="0" err="1"/>
-              <a:t>textfile</a:t>
-            </a:r>
-            <a:r>
-              <a:rPr lang="en-US" b="1" dirty="0"/>
-              <a:t>&gt;</a:t>
-            </a:r>
-            <a:r>
-              <a:rPr lang="en-US" dirty="0"/>
-              <a:t>.</a:t>
+              <a:t> exception. </a:t>
             </a:r>
           </a:p>
         </p:txBody>
       </p:sp>
       <p:pic>
         <p:nvPicPr>
-          <p:cNvPr id="8194" name="Picture 2" descr="Use_Case_2_1"/>
+          <p:cNvPr id="7170" name="Picture 2" descr="Use_Case_1_7"/>
           <p:cNvPicPr>
             <a:picLocks noChangeAspect="1" noChangeArrowheads="1"/>
           </p:cNvPicPr>
           <p:nvPr/>
         </p:nvPicPr>
-        <p:blipFill rotWithShape="1">
+        <p:blipFill>
           <a:blip r:embed="rId2">
             <a:extLst>
               <a:ext uri="{28A0092B-C50C-407E-A947-70E740481C1C}">
@@ -4822,13 +4653,15 @@
               </a:ext>
             </a:extLst>
           </a:blip>
-          <a:srcRect l="542" r="59895"/>
-          <a:stretch/>
+          <a:srcRect/>
+          <a:stretch>
+            <a:fillRect/>
+          </a:stretch>
         </p:blipFill>
         <p:spPr bwMode="auto">
           <a:xfrm>
-            <a:off x="379412" y="1227523"/>
-            <a:ext cx="3291840" cy="3954077"/>
+            <a:off x="379411" y="1177210"/>
+            <a:ext cx="7424995" cy="5147389"/>
           </a:xfrm>
           <a:prstGeom prst="rect">
             <a:avLst/>
@@ -4847,233 +4680,124 @@
       </p:pic>
       <p:sp>
         <p:nvSpPr>
-          <p:cNvPr id="5" name="Rectangle 4"/>
+          <p:cNvPr id="2" name="Oval 1"/>
           <p:cNvSpPr/>
           <p:nvPr/>
         </p:nvSpPr>
         <p:spPr>
           <a:xfrm>
-            <a:off x="237866" y="5638800"/>
-            <a:ext cx="11950959" cy="984885"/>
+            <a:off x="1598612" y="4191000"/>
+            <a:ext cx="914400" cy="533400"/>
           </a:xfrm>
-          <a:prstGeom prst="rect">
+          <a:prstGeom prst="ellipse">
             <a:avLst/>
           </a:prstGeom>
+          <a:noFill/>
+          <a:ln w="28575">
+            <a:solidFill>
+              <a:schemeClr val="accent3">
+                <a:lumMod val="60000"/>
+                <a:lumOff val="40000"/>
+              </a:schemeClr>
+            </a:solidFill>
+          </a:ln>
         </p:spPr>
+        <p:style>
+          <a:lnRef idx="2">
+            <a:schemeClr val="accent2">
+              <a:shade val="50000"/>
+            </a:schemeClr>
+          </a:lnRef>
+          <a:fillRef idx="1">
+            <a:schemeClr val="accent2"/>
+          </a:fillRef>
+          <a:effectRef idx="0">
+            <a:schemeClr val="accent2"/>
+          </a:effectRef>
+          <a:fontRef idx="minor">
+            <a:schemeClr val="lt1"/>
+          </a:fontRef>
+        </p:style>
         <p:txBody>
-          <a:bodyPr wrap="square">
-            <a:spAutoFit/>
-          </a:bodyPr>
+          <a:bodyPr rtlCol="0" anchor="ctr"/>
           <a:lstStyle/>
           <a:p>
-            <a:r>
-              <a:rPr lang="en-US" sz="2000" dirty="0">
-                <a:solidFill>
-                  <a:schemeClr val="bg2">
-                    <a:lumMod val="25000"/>
-                    <a:lumOff val="75000"/>
-                  </a:schemeClr>
-                </a:solidFill>
-                <a:effectLst>
-                  <a:outerShdw blurRad="38100" dist="38100" dir="2700000" algn="tl">
-                    <a:srgbClr val="000000">
-                      <a:alpha val="43137"/>
-                    </a:srgbClr>
-                  </a:outerShdw>
-                </a:effectLst>
-              </a:rPr>
-              <a:t>java -</a:t>
-            </a:r>
-            <a:r>
-              <a:rPr lang="en-US" sz="2000" dirty="0" err="1">
-                <a:solidFill>
-                  <a:schemeClr val="bg2">
-                    <a:lumMod val="25000"/>
-                    <a:lumOff val="75000"/>
-                  </a:schemeClr>
-                </a:solidFill>
-                <a:effectLst>
-                  <a:outerShdw blurRad="38100" dist="38100" dir="2700000" algn="tl">
-                    <a:srgbClr val="000000">
-                      <a:alpha val="43137"/>
-                    </a:srgbClr>
-                  </a:outerShdw>
-                </a:effectLst>
-              </a:rPr>
-              <a:t>classpath</a:t>
-            </a:r>
-            <a:r>
-              <a:rPr lang="en-US" sz="2000" dirty="0">
-                <a:solidFill>
-                  <a:schemeClr val="bg2">
-                    <a:lumMod val="25000"/>
-                    <a:lumOff val="75000"/>
-                  </a:schemeClr>
-                </a:solidFill>
-                <a:effectLst>
-                  <a:outerShdw blurRad="38100" dist="38100" dir="2700000" algn="tl">
-                    <a:srgbClr val="000000">
-                      <a:alpha val="43137"/>
-                    </a:srgbClr>
-                  </a:outerShdw>
-                </a:effectLst>
-              </a:rPr>
-              <a:t> C:\randoop-3.0.10\randoop-all-3.0.10.jar;Frogger\build\classes </a:t>
-            </a:r>
-            <a:r>
-              <a:rPr lang="en-US" sz="2000" dirty="0" err="1">
-                <a:solidFill>
-                  <a:schemeClr val="bg2">
-                    <a:lumMod val="25000"/>
-                    <a:lumOff val="75000"/>
-                  </a:schemeClr>
-                </a:solidFill>
-                <a:effectLst>
-                  <a:outerShdw blurRad="38100" dist="38100" dir="2700000" algn="tl">
-                    <a:srgbClr val="000000">
-                      <a:alpha val="43137"/>
-                    </a:srgbClr>
-                  </a:outerShdw>
-                </a:effectLst>
-              </a:rPr>
-              <a:t>randoop.main.Main</a:t>
-            </a:r>
-            <a:r>
-              <a:rPr lang="en-US" sz="2000" dirty="0">
-                <a:solidFill>
-                  <a:schemeClr val="bg2">
-                    <a:lumMod val="25000"/>
-                    <a:lumOff val="75000"/>
-                  </a:schemeClr>
-                </a:solidFill>
-                <a:effectLst>
-                  <a:outerShdw blurRad="38100" dist="38100" dir="2700000" algn="tl">
-                    <a:srgbClr val="000000">
-                      <a:alpha val="43137"/>
-                    </a:srgbClr>
-                  </a:outerShdw>
-                </a:effectLst>
-              </a:rPr>
-              <a:t> </a:t>
-            </a:r>
-            <a:r>
-              <a:rPr lang="en-US" sz="2000" dirty="0" err="1">
-                <a:solidFill>
-                  <a:schemeClr val="bg2">
-                    <a:lumMod val="25000"/>
-                    <a:lumOff val="75000"/>
-                  </a:schemeClr>
-                </a:solidFill>
-                <a:effectLst>
-                  <a:outerShdw blurRad="38100" dist="38100" dir="2700000" algn="tl">
-                    <a:srgbClr val="000000">
-                      <a:alpha val="43137"/>
-                    </a:srgbClr>
-                  </a:outerShdw>
-                </a:effectLst>
-              </a:rPr>
-              <a:t>gentests</a:t>
-            </a:r>
-            <a:r>
-              <a:rPr lang="en-US" sz="2000" dirty="0">
-                <a:solidFill>
-                  <a:schemeClr val="bg2">
-                    <a:lumMod val="25000"/>
-                    <a:lumOff val="75000"/>
-                  </a:schemeClr>
-                </a:solidFill>
-                <a:effectLst>
-                  <a:outerShdw blurRad="38100" dist="38100" dir="2700000" algn="tl">
-                    <a:srgbClr val="000000">
-                      <a:alpha val="43137"/>
-                    </a:srgbClr>
-                  </a:outerShdw>
-                </a:effectLst>
-              </a:rPr>
-              <a:t> --classlist=classlist.txt </a:t>
-            </a:r>
-            <a:r>
-              <a:rPr lang="en-US" sz="2000" dirty="0">
-                <a:solidFill>
-                  <a:srgbClr val="FFFF00"/>
-                </a:solidFill>
-                <a:effectLst>
-                  <a:outerShdw blurRad="38100" dist="38100" dir="2700000" algn="tl">
-                    <a:srgbClr val="000000">
-                      <a:alpha val="43137"/>
-                    </a:srgbClr>
-                  </a:outerShdw>
-                </a:effectLst>
-              </a:rPr>
-              <a:t>--</a:t>
-            </a:r>
-            <a:r>
-              <a:rPr lang="en-US" sz="2000" dirty="0" err="1">
-                <a:solidFill>
-                  <a:srgbClr val="FFFF00"/>
-                </a:solidFill>
-                <a:effectLst>
-                  <a:outerShdw blurRad="38100" dist="38100" dir="2700000" algn="tl">
-                    <a:srgbClr val="000000">
-                      <a:alpha val="43137"/>
-                    </a:srgbClr>
-                  </a:outerShdw>
-                </a:effectLst>
-              </a:rPr>
-              <a:t>omitmethods</a:t>
-            </a:r>
-            <a:r>
-              <a:rPr lang="en-US" sz="2000" dirty="0">
-                <a:solidFill>
-                  <a:srgbClr val="FFFF00"/>
-                </a:solidFill>
-                <a:effectLst>
-                  <a:outerShdw blurRad="38100" dist="38100" dir="2700000" algn="tl">
-                    <a:srgbClr val="000000">
-                      <a:alpha val="43137"/>
-                    </a:srgbClr>
-                  </a:outerShdw>
-                </a:effectLst>
-              </a:rPr>
-              <a:t>=</a:t>
-            </a:r>
-            <a:r>
-              <a:rPr lang="en-US" sz="2000" dirty="0" err="1">
-                <a:solidFill>
-                  <a:srgbClr val="FFFF00"/>
-                </a:solidFill>
-                <a:effectLst>
-                  <a:outerShdw blurRad="38100" dist="38100" dir="2700000" algn="tl">
-                    <a:srgbClr val="000000">
-                      <a:alpha val="43137"/>
-                    </a:srgbClr>
-                  </a:outerShdw>
-                </a:effectLst>
-              </a:rPr>
-              <a:t>frogger.Jumper.act</a:t>
-            </a:r>
-            <a:endParaRPr lang="en-US" sz="2000" dirty="0">
+            <a:pPr algn="ctr"/>
+            <a:endParaRPr lang="en-US" b="1">
+              <a:ln w="22225">
+                <a:solidFill>
+                  <a:schemeClr val="accent2"/>
+                </a:solidFill>
+                <a:prstDash val="solid"/>
+              </a:ln>
               <a:solidFill>
-                <a:srgbClr val="FFFF00"/>
+                <a:schemeClr val="accent2">
+                  <a:lumMod val="40000"/>
+                  <a:lumOff val="60000"/>
+                </a:schemeClr>
               </a:solidFill>
-              <a:effectLst>
-                <a:outerShdw blurRad="38100" dist="38100" dir="2700000" algn="tl">
-                  <a:srgbClr val="000000">
-                    <a:alpha val="43137"/>
-                  </a:srgbClr>
-                </a:outerShdw>
-              </a:effectLst>
             </a:endParaRPr>
           </a:p>
-          <a:p>
-            <a:endParaRPr lang="en-US" dirty="0">
-              <a:effectLst>
-                <a:outerShdw blurRad="38100" dist="38100" dir="2700000" algn="tl">
-                  <a:srgbClr val="000000">
-                    <a:alpha val="43137"/>
-                  </a:srgbClr>
-                </a:outerShdw>
-              </a:effectLst>
+        </p:txBody>
+      </p:sp>
+      <p:sp>
+        <p:nvSpPr>
+          <p:cNvPr id="9" name="Oval 8"/>
+          <p:cNvSpPr/>
+          <p:nvPr/>
+        </p:nvSpPr>
+        <p:spPr>
+          <a:xfrm>
+            <a:off x="5332411" y="4191000"/>
+            <a:ext cx="2471995" cy="533400"/>
+          </a:xfrm>
+          <a:prstGeom prst="ellipse">
+            <a:avLst/>
+          </a:prstGeom>
+          <a:noFill/>
+          <a:ln w="28575">
+            <a:solidFill>
+              <a:schemeClr val="accent3">
+                <a:lumMod val="60000"/>
+                <a:lumOff val="40000"/>
+              </a:schemeClr>
+            </a:solidFill>
+          </a:ln>
+        </p:spPr>
+        <p:style>
+          <a:lnRef idx="2">
+            <a:schemeClr val="accent2">
+              <a:shade val="50000"/>
+            </a:schemeClr>
+          </a:lnRef>
+          <a:fillRef idx="1">
+            <a:schemeClr val="accent2"/>
+          </a:fillRef>
+          <a:effectRef idx="0">
+            <a:schemeClr val="accent2"/>
+          </a:effectRef>
+          <a:fontRef idx="minor">
+            <a:schemeClr val="lt1"/>
+          </a:fontRef>
+        </p:style>
+        <p:txBody>
+          <a:bodyPr rtlCol="0" anchor="ctr"/>
+          <a:lstStyle/>
+          <a:p>
+            <a:pPr algn="ctr"/>
+            <a:endParaRPr lang="en-US" b="1">
+              <a:ln w="22225">
+                <a:solidFill>
+                  <a:schemeClr val="accent2"/>
+                </a:solidFill>
+                <a:prstDash val="solid"/>
+              </a:ln>
+              <a:solidFill>
+                <a:schemeClr val="accent2">
+                  <a:lumMod val="40000"/>
+                  <a:lumOff val="60000"/>
+                </a:schemeClr>
+              </a:solidFill>
             </a:endParaRPr>
           </a:p>
         </p:txBody>
@@ -5081,7 +4805,7 @@
     </p:spTree>
     <p:extLst>
       <p:ext uri="{BB962C8B-B14F-4D97-AF65-F5344CB8AC3E}">
-        <p14:creationId xmlns:p14="http://schemas.microsoft.com/office/powerpoint/2010/main" val="517913178"/>
+        <p14:creationId xmlns:p14="http://schemas.microsoft.com/office/powerpoint/2010/main" val="2546328802"/>
       </p:ext>
     </p:extLst>
   </p:cSld>
@@ -5133,7 +4857,7 @@
         <p:spPr>
           <a:xfrm>
             <a:off x="912812" y="0"/>
-            <a:ext cx="9144001" cy="857511"/>
+            <a:ext cx="9144001" cy="838200"/>
           </a:xfrm>
         </p:spPr>
         <p:txBody>
@@ -5169,8 +4893,8 @@
         </p:nvSpPr>
         <p:spPr>
           <a:xfrm>
-            <a:off x="5942012" y="1143000"/>
-            <a:ext cx="5257800" cy="4267200"/>
+            <a:off x="4057296" y="1143000"/>
+            <a:ext cx="7599716" cy="5029200"/>
           </a:xfrm>
         </p:spPr>
         <p:txBody>
@@ -5183,49 +4907,103 @@
               <a:buNone/>
             </a:pPr>
             <a:r>
-              <a:rPr lang="en-US" dirty="0">
-                <a:solidFill>
-                  <a:srgbClr val="FFFF00"/>
-                </a:solidFill>
-              </a:rPr>
-              <a:t>Note:</a:t>
+              <a:rPr lang="en-US" b="1" dirty="0" err="1"/>
+              <a:t>Frogger</a:t>
+            </a:r>
+            <a:r>
+              <a:rPr lang="en-US" b="1" dirty="0"/>
+              <a:t> project</a:t>
             </a:r>
             <a:r>
               <a:rPr lang="en-US" dirty="0"/>
-              <a:t> We omitted the act method in </a:t>
+              <a:t>: a game that emulates the original </a:t>
             </a:r>
             <a:r>
               <a:rPr lang="en-US" dirty="0" err="1"/>
-              <a:t>Jumper.class</a:t>
+              <a:t>Frogger</a:t>
             </a:r>
             <a:r>
               <a:rPr lang="en-US" dirty="0"/>
-              <a:t> because the method was nondeterministic and could not have test generated.</a:t>
-            </a:r>
-          </a:p>
-          <a:p>
+              <a:t> </a:t>
+            </a:r>
+            <a:r>
+              <a:rPr lang="en-US" dirty="0" err="1"/>
+              <a:t>aracade</a:t>
+            </a:r>
             <a:r>
               <a:rPr lang="en-US" dirty="0"/>
-              <a:t>Randoop first generated test input. It also opened all of the GUI components. </a:t>
+              <a:t> game. </a:t>
             </a:r>
           </a:p>
           <a:p>
             <a:pPr marL="0" indent="0">
               <a:buNone/>
             </a:pPr>
-            <a:endParaRPr lang="en-US" sz="1800" dirty="0"/>
+            <a:r>
+              <a:rPr lang="en-US" dirty="0"/>
+              <a:t>How to test several class files at the same time.</a:t>
+            </a:r>
+          </a:p>
+          <a:p>
+            <a:pPr marL="0" indent="0">
+              <a:buNone/>
+            </a:pPr>
+            <a:r>
+              <a:rPr lang="en-US" dirty="0"/>
+              <a:t>We create a text file that lists all of the classes to be tested and call it with the command:</a:t>
+            </a:r>
+            <a:br>
+              <a:rPr lang="en-US" dirty="0"/>
+            </a:br>
+            <a:r>
+              <a:rPr lang="en-US" dirty="0"/>
+              <a:t>		</a:t>
+            </a:r>
+          </a:p>
+          <a:p>
+            <a:pPr marL="0" indent="0">
+              <a:buNone/>
+            </a:pPr>
+            <a:r>
+              <a:rPr lang="en-US" dirty="0"/>
+              <a:t>		      </a:t>
+            </a:r>
+            <a:r>
+              <a:rPr lang="en-US" b="1" dirty="0"/>
+              <a:t>--</a:t>
+            </a:r>
+            <a:r>
+              <a:rPr lang="en-US" b="1" dirty="0" err="1"/>
+              <a:t>classlist</a:t>
+            </a:r>
+            <a:r>
+              <a:rPr lang="en-US" b="1" dirty="0"/>
+              <a:t>=&lt;</a:t>
+            </a:r>
+            <a:r>
+              <a:rPr lang="en-US" b="1" dirty="0" err="1"/>
+              <a:t>textfile</a:t>
+            </a:r>
+            <a:r>
+              <a:rPr lang="en-US" b="1" dirty="0"/>
+              <a:t>&gt;</a:t>
+            </a:r>
+            <a:r>
+              <a:rPr lang="en-US" dirty="0"/>
+              <a:t>.</a:t>
+            </a:r>
           </a:p>
         </p:txBody>
       </p:sp>
       <p:pic>
         <p:nvPicPr>
-          <p:cNvPr id="9218" name="Picture 2" descr="Use_Case_2_2"/>
+          <p:cNvPr id="8194" name="Picture 2" descr="Use_Case_2_1"/>
           <p:cNvPicPr>
             <a:picLocks noChangeAspect="1" noChangeArrowheads="1"/>
           </p:cNvPicPr>
           <p:nvPr/>
         </p:nvPicPr>
-        <p:blipFill>
+        <p:blipFill rotWithShape="1">
           <a:blip r:embed="rId2">
             <a:extLst>
               <a:ext uri="{28A0092B-C50C-407E-A947-70E740481C1C}">
@@ -5233,15 +5011,13 @@
               </a:ext>
             </a:extLst>
           </a:blip>
-          <a:srcRect/>
-          <a:stretch>
-            <a:fillRect/>
-          </a:stretch>
+          <a:srcRect l="542" r="59895"/>
+          <a:stretch/>
         </p:blipFill>
         <p:spPr bwMode="auto">
           <a:xfrm>
-            <a:off x="394958" y="1219200"/>
-            <a:ext cx="5318454" cy="3505200"/>
+            <a:off x="379412" y="1227523"/>
+            <a:ext cx="3291840" cy="3954077"/>
           </a:xfrm>
           <a:prstGeom prst="rect">
             <a:avLst/>
@@ -5258,10 +5034,255 @@
           </a:extLst>
         </p:spPr>
       </p:pic>
+      <p:sp>
+        <p:nvSpPr>
+          <p:cNvPr id="5" name="Rectangle 4"/>
+          <p:cNvSpPr/>
+          <p:nvPr/>
+        </p:nvSpPr>
+        <p:spPr>
+          <a:xfrm>
+            <a:off x="237866" y="5638800"/>
+            <a:ext cx="11950959" cy="984885"/>
+          </a:xfrm>
+          <a:prstGeom prst="rect">
+            <a:avLst/>
+          </a:prstGeom>
+        </p:spPr>
+        <p:txBody>
+          <a:bodyPr wrap="square">
+            <a:spAutoFit/>
+          </a:bodyPr>
+          <a:lstStyle/>
+          <a:p>
+            <a:r>
+              <a:rPr lang="en-US" sz="2000" dirty="0">
+                <a:solidFill>
+                  <a:schemeClr val="bg2">
+                    <a:lumMod val="25000"/>
+                    <a:lumOff val="75000"/>
+                  </a:schemeClr>
+                </a:solidFill>
+                <a:effectLst>
+                  <a:outerShdw blurRad="38100" dist="38100" dir="2700000" algn="tl">
+                    <a:srgbClr val="000000">
+                      <a:alpha val="43137"/>
+                    </a:srgbClr>
+                  </a:outerShdw>
+                </a:effectLst>
+              </a:rPr>
+              <a:t>java -</a:t>
+            </a:r>
+            <a:r>
+              <a:rPr lang="en-US" sz="2000" dirty="0" err="1">
+                <a:solidFill>
+                  <a:schemeClr val="bg2">
+                    <a:lumMod val="25000"/>
+                    <a:lumOff val="75000"/>
+                  </a:schemeClr>
+                </a:solidFill>
+                <a:effectLst>
+                  <a:outerShdw blurRad="38100" dist="38100" dir="2700000" algn="tl">
+                    <a:srgbClr val="000000">
+                      <a:alpha val="43137"/>
+                    </a:srgbClr>
+                  </a:outerShdw>
+                </a:effectLst>
+              </a:rPr>
+              <a:t>classpath</a:t>
+            </a:r>
+            <a:r>
+              <a:rPr lang="en-US" sz="2000" dirty="0">
+                <a:solidFill>
+                  <a:schemeClr val="bg2">
+                    <a:lumMod val="25000"/>
+                    <a:lumOff val="75000"/>
+                  </a:schemeClr>
+                </a:solidFill>
+                <a:effectLst>
+                  <a:outerShdw blurRad="38100" dist="38100" dir="2700000" algn="tl">
+                    <a:srgbClr val="000000">
+                      <a:alpha val="43137"/>
+                    </a:srgbClr>
+                  </a:outerShdw>
+                </a:effectLst>
+              </a:rPr>
+              <a:t> C:\randoop-3.0.10\randoop-all-3.0.10.jar;Frogger\build\classes </a:t>
+            </a:r>
+            <a:r>
+              <a:rPr lang="en-US" sz="2000" dirty="0" err="1">
+                <a:solidFill>
+                  <a:schemeClr val="bg2">
+                    <a:lumMod val="25000"/>
+                    <a:lumOff val="75000"/>
+                  </a:schemeClr>
+                </a:solidFill>
+                <a:effectLst>
+                  <a:outerShdw blurRad="38100" dist="38100" dir="2700000" algn="tl">
+                    <a:srgbClr val="000000">
+                      <a:alpha val="43137"/>
+                    </a:srgbClr>
+                  </a:outerShdw>
+                </a:effectLst>
+              </a:rPr>
+              <a:t>randoop.main.Main</a:t>
+            </a:r>
+            <a:r>
+              <a:rPr lang="en-US" sz="2000" dirty="0">
+                <a:solidFill>
+                  <a:schemeClr val="bg2">
+                    <a:lumMod val="25000"/>
+                    <a:lumOff val="75000"/>
+                  </a:schemeClr>
+                </a:solidFill>
+                <a:effectLst>
+                  <a:outerShdw blurRad="38100" dist="38100" dir="2700000" algn="tl">
+                    <a:srgbClr val="000000">
+                      <a:alpha val="43137"/>
+                    </a:srgbClr>
+                  </a:outerShdw>
+                </a:effectLst>
+              </a:rPr>
+              <a:t> </a:t>
+            </a:r>
+            <a:r>
+              <a:rPr lang="en-US" sz="2000" dirty="0" err="1">
+                <a:solidFill>
+                  <a:schemeClr val="bg2">
+                    <a:lumMod val="25000"/>
+                    <a:lumOff val="75000"/>
+                  </a:schemeClr>
+                </a:solidFill>
+                <a:effectLst>
+                  <a:outerShdw blurRad="38100" dist="38100" dir="2700000" algn="tl">
+                    <a:srgbClr val="000000">
+                      <a:alpha val="43137"/>
+                    </a:srgbClr>
+                  </a:outerShdw>
+                </a:effectLst>
+              </a:rPr>
+              <a:t>gentests</a:t>
+            </a:r>
+            <a:r>
+              <a:rPr lang="en-US" sz="2000" dirty="0">
+                <a:solidFill>
+                  <a:schemeClr val="bg2">
+                    <a:lumMod val="25000"/>
+                    <a:lumOff val="75000"/>
+                  </a:schemeClr>
+                </a:solidFill>
+                <a:effectLst>
+                  <a:outerShdw blurRad="38100" dist="38100" dir="2700000" algn="tl">
+                    <a:srgbClr val="000000">
+                      <a:alpha val="43137"/>
+                    </a:srgbClr>
+                  </a:outerShdw>
+                </a:effectLst>
+              </a:rPr>
+              <a:t> --classlist=classlist.txt --</a:t>
+            </a:r>
+            <a:r>
+              <a:rPr lang="en-US" sz="2000" dirty="0" err="1">
+                <a:solidFill>
+                  <a:schemeClr val="bg2">
+                    <a:lumMod val="25000"/>
+                    <a:lumOff val="75000"/>
+                  </a:schemeClr>
+                </a:solidFill>
+                <a:effectLst>
+                  <a:outerShdw blurRad="38100" dist="38100" dir="2700000" algn="tl">
+                    <a:srgbClr val="000000">
+                      <a:alpha val="43137"/>
+                    </a:srgbClr>
+                  </a:outerShdw>
+                </a:effectLst>
+              </a:rPr>
+              <a:t>omitmethods</a:t>
+            </a:r>
+            <a:r>
+              <a:rPr lang="en-US" sz="2000" dirty="0">
+                <a:solidFill>
+                  <a:schemeClr val="bg2">
+                    <a:lumMod val="25000"/>
+                    <a:lumOff val="75000"/>
+                  </a:schemeClr>
+                </a:solidFill>
+                <a:effectLst>
+                  <a:outerShdw blurRad="38100" dist="38100" dir="2700000" algn="tl">
+                    <a:srgbClr val="000000">
+                      <a:alpha val="43137"/>
+                    </a:srgbClr>
+                  </a:outerShdw>
+                </a:effectLst>
+              </a:rPr>
+              <a:t>=</a:t>
+            </a:r>
+            <a:r>
+              <a:rPr lang="en-US" sz="2000" dirty="0" err="1">
+                <a:solidFill>
+                  <a:schemeClr val="bg2">
+                    <a:lumMod val="25000"/>
+                    <a:lumOff val="75000"/>
+                  </a:schemeClr>
+                </a:solidFill>
+                <a:effectLst>
+                  <a:outerShdw blurRad="38100" dist="38100" dir="2700000" algn="tl">
+                    <a:srgbClr val="000000">
+                      <a:alpha val="43137"/>
+                    </a:srgbClr>
+                  </a:outerShdw>
+                </a:effectLst>
+              </a:rPr>
+              <a:t>frogger.Jumper.act</a:t>
+            </a:r>
+            <a:r>
+              <a:rPr lang="en-US" sz="2000" dirty="0">
+                <a:solidFill>
+                  <a:schemeClr val="bg2">
+                    <a:lumMod val="25000"/>
+                    <a:lumOff val="75000"/>
+                  </a:schemeClr>
+                </a:solidFill>
+                <a:effectLst>
+                  <a:outerShdw blurRad="38100" dist="38100" dir="2700000" algn="tl">
+                    <a:srgbClr val="000000">
+                      <a:alpha val="43137"/>
+                    </a:srgbClr>
+                  </a:outerShdw>
+                </a:effectLst>
+              </a:rPr>
+              <a:t> </a:t>
+            </a:r>
+            <a:endParaRPr lang="en-US" sz="2000" dirty="0">
+              <a:solidFill>
+                <a:srgbClr val="FFFF00"/>
+              </a:solidFill>
+              <a:effectLst>
+                <a:outerShdw blurRad="38100" dist="38100" dir="2700000" algn="tl">
+                  <a:srgbClr val="000000">
+                    <a:alpha val="43137"/>
+                  </a:srgbClr>
+                </a:outerShdw>
+              </a:effectLst>
+            </a:endParaRPr>
+          </a:p>
+          <a:p>
+            <a:endParaRPr lang="en-US" dirty="0">
+              <a:effectLst>
+                <a:outerShdw blurRad="38100" dist="38100" dir="2700000" algn="tl">
+                  <a:srgbClr val="000000">
+                    <a:alpha val="43137"/>
+                  </a:srgbClr>
+                </a:outerShdw>
+              </a:effectLst>
+            </a:endParaRPr>
+          </a:p>
+        </p:txBody>
+      </p:sp>
     </p:spTree>
     <p:extLst>
       <p:ext uri="{BB962C8B-B14F-4D97-AF65-F5344CB8AC3E}">
-        <p14:creationId xmlns:p14="http://schemas.microsoft.com/office/powerpoint/2010/main" val="1548178283"/>
+        <p14:creationId xmlns:p14="http://schemas.microsoft.com/office/powerpoint/2010/main" val="517913178"/>
       </p:ext>
     </p:extLst>
   </p:cSld>
@@ -5350,7 +5371,7 @@
         <p:spPr>
           <a:xfrm>
             <a:off x="5942012" y="1143000"/>
-            <a:ext cx="5791200" cy="5029200"/>
+            <a:ext cx="5257800" cy="4267200"/>
           </a:xfrm>
         </p:spPr>
         <p:txBody>
@@ -5359,49 +5380,38 @@
           </a:bodyPr>
           <a:lstStyle/>
           <a:p>
+            <a:r>
+              <a:rPr lang="en-US" dirty="0"/>
+              <a:t>Because </a:t>
+            </a:r>
+            <a:r>
+              <a:rPr lang="en-US" dirty="0" err="1"/>
+              <a:t>Frogger</a:t>
+            </a:r>
+            <a:r>
+              <a:rPr lang="en-US" dirty="0"/>
+              <a:t> includes GUI components, </a:t>
+            </a:r>
+            <a:r>
+              <a:rPr lang="en-US" dirty="0" err="1"/>
+              <a:t>Randoop</a:t>
+            </a:r>
+            <a:r>
+              <a:rPr lang="en-US" dirty="0"/>
+              <a:t> generates GUI variables for testing. </a:t>
+            </a:r>
+          </a:p>
+          <a:p>
             <a:pPr marL="0" indent="0">
               <a:buNone/>
             </a:pPr>
-            <a:r>
-              <a:rPr lang="en-US" dirty="0"/>
-              <a:t>Randoop generated:</a:t>
-            </a:r>
-          </a:p>
-          <a:p>
-            <a:r>
-              <a:rPr lang="en-US" sz="2200" dirty="0"/>
-              <a:t> 184000 normal method executions </a:t>
-            </a:r>
-          </a:p>
-          <a:p>
-            <a:r>
-              <a:rPr lang="en-US" sz="2200" dirty="0"/>
-              <a:t>73 exceptional method executions</a:t>
-            </a:r>
-          </a:p>
-          <a:p>
-            <a:r>
-              <a:rPr lang="en-US" sz="2200" dirty="0"/>
-              <a:t>Average method execution time for normal termination was 0.507 </a:t>
-            </a:r>
-          </a:p>
-          <a:p>
-            <a:r>
-              <a:rPr lang="en-US" sz="2200" dirty="0"/>
-              <a:t>Average method execution time for exceptional termination was 69.6</a:t>
-            </a:r>
-          </a:p>
-          <a:p>
-            <a:r>
-              <a:rPr lang="en-US" sz="2200" dirty="0"/>
-              <a:t>Number of regression tests created was 324.</a:t>
-            </a:r>
+            <a:endParaRPr lang="en-US" sz="1800" dirty="0"/>
           </a:p>
         </p:txBody>
       </p:sp>
       <p:pic>
         <p:nvPicPr>
-          <p:cNvPr id="10242" name="Picture 2" descr="Use_Case_2_4"/>
+          <p:cNvPr id="9218" name="Picture 2" descr="Use_Case_2_2"/>
           <p:cNvPicPr>
             <a:picLocks noChangeAspect="1" noChangeArrowheads="1"/>
           </p:cNvPicPr>
@@ -5422,8 +5432,8 @@
         </p:blipFill>
         <p:spPr bwMode="auto">
           <a:xfrm>
-            <a:off x="379412" y="1219200"/>
-            <a:ext cx="5326706" cy="3425678"/>
+            <a:off x="394958" y="1219200"/>
+            <a:ext cx="5318454" cy="3505200"/>
           </a:xfrm>
           <a:prstGeom prst="rect">
             <a:avLst/>
@@ -5443,7 +5453,7 @@
     </p:spTree>
     <p:extLst>
       <p:ext uri="{BB962C8B-B14F-4D97-AF65-F5344CB8AC3E}">
-        <p14:creationId xmlns:p14="http://schemas.microsoft.com/office/powerpoint/2010/main" val="1037686662"/>
+        <p14:creationId xmlns:p14="http://schemas.microsoft.com/office/powerpoint/2010/main" val="1548178283"/>
       </p:ext>
     </p:extLst>
   </p:cSld>
@@ -5546,31 +5556,44 @@
             </a:pPr>
             <a:r>
               <a:rPr lang="en-US" dirty="0"/>
-              <a:t>RegressionTest0.java is very similar to the test files generated for use case 1. The main differences from the last use case is that some of the test methods are used to test the Java visual objects. This is done in several ways such as testing that the cursor location is in the bounds of the </a:t>
-            </a:r>
-            <a:r>
-              <a:rPr lang="en-US" dirty="0" err="1"/>
-              <a:t>JWindow</a:t>
-            </a:r>
-            <a:r>
-              <a:rPr lang="en-US" dirty="0"/>
-              <a:t> or that </a:t>
-            </a:r>
-            <a:r>
-              <a:rPr lang="en-US" dirty="0" err="1"/>
-              <a:t>VolatileImage</a:t>
-            </a:r>
-            <a:r>
-              <a:rPr lang="en-US" dirty="0"/>
-              <a:t> objects do not lose their contents during execution.</a:t>
-            </a:r>
-            <a:endParaRPr lang="en-US" sz="1800" dirty="0"/>
+              <a:t>Randoop generated:</a:t>
+            </a:r>
+          </a:p>
+          <a:p>
+            <a:r>
+              <a:rPr lang="en-US" sz="2200" dirty="0"/>
+              <a:t> 184000 normal method executions </a:t>
+            </a:r>
+          </a:p>
+          <a:p>
+            <a:r>
+              <a:rPr lang="en-US" sz="2200" dirty="0"/>
+              <a:t>73 exceptional method executions</a:t>
+            </a:r>
+          </a:p>
+          <a:p>
+            <a:r>
+              <a:rPr lang="en-US" sz="2200" dirty="0"/>
+              <a:t>Average method execution time for normal termination was 0.507 s</a:t>
+            </a:r>
+          </a:p>
+          <a:p>
+            <a:r>
+              <a:rPr lang="en-US" sz="2200" dirty="0"/>
+              <a:t>Average method execution time for exceptional termination was 69.6 s</a:t>
+            </a:r>
+          </a:p>
+          <a:p>
+            <a:r>
+              <a:rPr lang="en-US" sz="2200" dirty="0"/>
+              <a:t>Number of regression tests created was 324.</a:t>
+            </a:r>
           </a:p>
         </p:txBody>
       </p:sp>
       <p:pic>
         <p:nvPicPr>
-          <p:cNvPr id="11266" name="Picture 2" descr="Use_Case_2_6"/>
+          <p:cNvPr id="10242" name="Picture 2" descr="Use_Case_2_4"/>
           <p:cNvPicPr>
             <a:picLocks noChangeAspect="1" noChangeArrowheads="1"/>
           </p:cNvPicPr>
@@ -5591,8 +5614,8 @@
         </p:blipFill>
         <p:spPr bwMode="auto">
           <a:xfrm>
-            <a:off x="382718" y="1219200"/>
-            <a:ext cx="5326706" cy="4910664"/>
+            <a:off x="379412" y="1219200"/>
+            <a:ext cx="5326706" cy="3425678"/>
           </a:xfrm>
           <a:prstGeom prst="rect">
             <a:avLst/>
@@ -5609,134 +5632,10 @@
           </a:extLst>
         </p:spPr>
       </p:pic>
-      <p:sp>
-        <p:nvSpPr>
-          <p:cNvPr id="7" name="Oval 6"/>
-          <p:cNvSpPr/>
-          <p:nvPr/>
-        </p:nvSpPr>
-        <p:spPr>
-          <a:xfrm>
-            <a:off x="1827212" y="4495800"/>
-            <a:ext cx="1633795" cy="533400"/>
-          </a:xfrm>
-          <a:prstGeom prst="ellipse">
-            <a:avLst/>
-          </a:prstGeom>
-          <a:noFill/>
-          <a:ln w="28575">
-            <a:solidFill>
-              <a:schemeClr val="accent3">
-                <a:lumMod val="60000"/>
-                <a:lumOff val="40000"/>
-              </a:schemeClr>
-            </a:solidFill>
-          </a:ln>
-        </p:spPr>
-        <p:style>
-          <a:lnRef idx="2">
-            <a:schemeClr val="accent2">
-              <a:shade val="50000"/>
-            </a:schemeClr>
-          </a:lnRef>
-          <a:fillRef idx="1">
-            <a:schemeClr val="accent2"/>
-          </a:fillRef>
-          <a:effectRef idx="0">
-            <a:schemeClr val="accent2"/>
-          </a:effectRef>
-          <a:fontRef idx="minor">
-            <a:schemeClr val="lt1"/>
-          </a:fontRef>
-        </p:style>
-        <p:txBody>
-          <a:bodyPr rtlCol="0" anchor="ctr"/>
-          <a:lstStyle/>
-          <a:p>
-            <a:pPr algn="ctr"/>
-            <a:endParaRPr lang="en-US" b="1">
-              <a:ln w="22225">
-                <a:solidFill>
-                  <a:schemeClr val="accent2"/>
-                </a:solidFill>
-                <a:prstDash val="solid"/>
-              </a:ln>
-              <a:solidFill>
-                <a:schemeClr val="accent2">
-                  <a:lumMod val="40000"/>
-                  <a:lumOff val="60000"/>
-                </a:schemeClr>
-              </a:solidFill>
-            </a:endParaRPr>
-          </a:p>
-        </p:txBody>
-      </p:sp>
-      <p:sp>
-        <p:nvSpPr>
-          <p:cNvPr id="8" name="Oval 7"/>
-          <p:cNvSpPr/>
-          <p:nvPr/>
-        </p:nvSpPr>
-        <p:spPr>
-          <a:xfrm>
-            <a:off x="1598612" y="2554877"/>
-            <a:ext cx="1633795" cy="533400"/>
-          </a:xfrm>
-          <a:prstGeom prst="ellipse">
-            <a:avLst/>
-          </a:prstGeom>
-          <a:noFill/>
-          <a:ln w="28575">
-            <a:solidFill>
-              <a:schemeClr val="accent3">
-                <a:lumMod val="60000"/>
-                <a:lumOff val="40000"/>
-              </a:schemeClr>
-            </a:solidFill>
-          </a:ln>
-        </p:spPr>
-        <p:style>
-          <a:lnRef idx="2">
-            <a:schemeClr val="accent2">
-              <a:shade val="50000"/>
-            </a:schemeClr>
-          </a:lnRef>
-          <a:fillRef idx="1">
-            <a:schemeClr val="accent2"/>
-          </a:fillRef>
-          <a:effectRef idx="0">
-            <a:schemeClr val="accent2"/>
-          </a:effectRef>
-          <a:fontRef idx="minor">
-            <a:schemeClr val="lt1"/>
-          </a:fontRef>
-        </p:style>
-        <p:txBody>
-          <a:bodyPr rtlCol="0" anchor="ctr"/>
-          <a:lstStyle/>
-          <a:p>
-            <a:pPr algn="ctr"/>
-            <a:endParaRPr lang="en-US" b="1">
-              <a:ln w="22225">
-                <a:solidFill>
-                  <a:schemeClr val="accent2"/>
-                </a:solidFill>
-                <a:prstDash val="solid"/>
-              </a:ln>
-              <a:solidFill>
-                <a:schemeClr val="accent2">
-                  <a:lumMod val="40000"/>
-                  <a:lumOff val="60000"/>
-                </a:schemeClr>
-              </a:solidFill>
-            </a:endParaRPr>
-          </a:p>
-        </p:txBody>
-      </p:sp>
     </p:spTree>
     <p:extLst>
       <p:ext uri="{BB962C8B-B14F-4D97-AF65-F5344CB8AC3E}">
-        <p14:creationId xmlns:p14="http://schemas.microsoft.com/office/powerpoint/2010/main" val="1922289128"/>
+        <p14:creationId xmlns:p14="http://schemas.microsoft.com/office/powerpoint/2010/main" val="1037686662"/>
       </p:ext>
     </p:extLst>
   </p:cSld>
@@ -5788,7 +5687,7 @@
         <p:spPr>
           <a:xfrm>
             <a:off x="912812" y="0"/>
-            <a:ext cx="9144001" cy="838200"/>
+            <a:ext cx="9144001" cy="857511"/>
           </a:xfrm>
         </p:spPr>
         <p:txBody>
@@ -5807,7 +5706,7 @@
                   </a:outerShdw>
                 </a:effectLst>
               </a:rPr>
-              <a:t>Use Case 3…</a:t>
+              <a:t>Use Case 2…</a:t>
             </a:r>
           </a:p>
         </p:txBody>
@@ -5824,13 +5723,13 @@
         </p:nvSpPr>
         <p:spPr>
           <a:xfrm>
-            <a:off x="4057296" y="1143000"/>
-            <a:ext cx="7599716" cy="3124200"/>
+            <a:off x="5942012" y="1143000"/>
+            <a:ext cx="5791200" cy="5029200"/>
           </a:xfrm>
         </p:spPr>
         <p:txBody>
           <a:bodyPr>
-            <a:normAutofit fontScale="92500" lnSpcReduction="10000"/>
+            <a:normAutofit/>
           </a:bodyPr>
           <a:lstStyle/>
           <a:p>
@@ -5838,75 +5737,22 @@
               <a:buNone/>
             </a:pPr>
             <a:r>
-              <a:rPr lang="en-US" b="1" dirty="0" err="1"/>
-              <a:t>JfreeChart</a:t>
-            </a:r>
-            <a:r>
-              <a:rPr lang="en-US" b="1" dirty="0"/>
-              <a:t>:</a:t>
-            </a:r>
-            <a:r>
               <a:rPr lang="en-US" dirty="0"/>
-              <a:t> is a comprehensive free chart library for the Java platform.</a:t>
-            </a:r>
-          </a:p>
-          <a:p>
-            <a:r>
-              <a:rPr lang="en-US" dirty="0"/>
-              <a:t>Create a </a:t>
-            </a:r>
-            <a:r>
-              <a:rPr lang="en-US" dirty="0" err="1"/>
-              <a:t>classlist.text</a:t>
-            </a:r>
-            <a:r>
-              <a:rPr lang="en-US" dirty="0"/>
-              <a:t> that contains the names from the file JCommon-1.0.23.jar library and generate test files by running the command below:</a:t>
-            </a:r>
-          </a:p>
-          <a:p>
-            <a:r>
-              <a:rPr lang="en-US" dirty="0"/>
-              <a:t>There are 131 class names in total for </a:t>
-            </a:r>
-            <a:r>
-              <a:rPr lang="en-US" dirty="0" err="1"/>
-              <a:t>JFreeChart</a:t>
-            </a:r>
-            <a:r>
-              <a:rPr lang="en-US" dirty="0"/>
-              <a:t>.</a:t>
-            </a:r>
-          </a:p>
-          <a:p>
-            <a:r>
-              <a:rPr lang="en-US" dirty="0"/>
-              <a:t>Note: We limited the number of tests per file to ten in order to keep the number of test methods per file manageable.</a:t>
-            </a:r>
-          </a:p>
-          <a:p>
-            <a:pPr marL="0" indent="0">
-              <a:buNone/>
-            </a:pPr>
-            <a:endParaRPr lang="en-US" dirty="0"/>
-          </a:p>
-          <a:p>
-            <a:pPr marL="0" indent="0">
-              <a:buNone/>
-            </a:pPr>
-            <a:endParaRPr lang="en-US" dirty="0"/>
+              <a:t>An example of a regression test that uses GUI variables</a:t>
+            </a:r>
+            <a:endParaRPr lang="en-US" sz="1800" dirty="0"/>
           </a:p>
         </p:txBody>
       </p:sp>
       <p:pic>
         <p:nvPicPr>
-          <p:cNvPr id="12290" name="Picture 2" descr="Use_Case_3_1"/>
+          <p:cNvPr id="11266" name="Picture 2" descr="Use_Case_2_6"/>
           <p:cNvPicPr>
             <a:picLocks noChangeAspect="1" noChangeArrowheads="1"/>
           </p:cNvPicPr>
           <p:nvPr/>
         </p:nvPicPr>
-        <p:blipFill rotWithShape="1">
+        <p:blipFill>
           <a:blip r:embed="rId2">
             <a:extLst>
               <a:ext uri="{28A0092B-C50C-407E-A947-70E740481C1C}">
@@ -5914,13 +5760,15 @@
               </a:ext>
             </a:extLst>
           </a:blip>
-          <a:srcRect l="248" r="29505"/>
-          <a:stretch/>
+          <a:srcRect/>
+          <a:stretch>
+            <a:fillRect/>
+          </a:stretch>
         </p:blipFill>
         <p:spPr bwMode="auto">
           <a:xfrm>
-            <a:off x="354379" y="1227523"/>
-            <a:ext cx="3296795" cy="3801677"/>
+            <a:off x="382718" y="1219200"/>
+            <a:ext cx="5326706" cy="4910664"/>
           </a:xfrm>
           <a:prstGeom prst="rect">
             <a:avLst/>
@@ -5939,194 +5787,132 @@
       </p:pic>
       <p:sp>
         <p:nvSpPr>
-          <p:cNvPr id="3" name="Rectangle 2"/>
+          <p:cNvPr id="7" name="Oval 6"/>
           <p:cNvSpPr/>
           <p:nvPr/>
         </p:nvSpPr>
         <p:spPr>
           <a:xfrm>
-            <a:off x="727864" y="5943600"/>
-            <a:ext cx="10899851" cy="707886"/>
+            <a:off x="1827212" y="4495800"/>
+            <a:ext cx="1633795" cy="533400"/>
           </a:xfrm>
-          <a:prstGeom prst="rect">
+          <a:prstGeom prst="ellipse">
             <a:avLst/>
           </a:prstGeom>
+          <a:noFill/>
+          <a:ln w="28575">
+            <a:solidFill>
+              <a:schemeClr val="accent3">
+                <a:lumMod val="60000"/>
+                <a:lumOff val="40000"/>
+              </a:schemeClr>
+            </a:solidFill>
+          </a:ln>
         </p:spPr>
+        <p:style>
+          <a:lnRef idx="2">
+            <a:schemeClr val="accent2">
+              <a:shade val="50000"/>
+            </a:schemeClr>
+          </a:lnRef>
+          <a:fillRef idx="1">
+            <a:schemeClr val="accent2"/>
+          </a:fillRef>
+          <a:effectRef idx="0">
+            <a:schemeClr val="accent2"/>
+          </a:effectRef>
+          <a:fontRef idx="minor">
+            <a:schemeClr val="lt1"/>
+          </a:fontRef>
+        </p:style>
         <p:txBody>
-          <a:bodyPr wrap="square">
-            <a:spAutoFit/>
-          </a:bodyPr>
+          <a:bodyPr rtlCol="0" anchor="ctr"/>
           <a:lstStyle/>
           <a:p>
-            <a:r>
-              <a:rPr lang="en-US" sz="2000" dirty="0">
-                <a:solidFill>
-                  <a:schemeClr val="bg2">
-                    <a:lumMod val="25000"/>
-                    <a:lumOff val="75000"/>
-                  </a:schemeClr>
-                </a:solidFill>
-                <a:effectLst>
-                  <a:outerShdw blurRad="38100" dist="38100" dir="2700000" algn="tl">
-                    <a:srgbClr val="000000">
-                      <a:alpha val="43137"/>
-                    </a:srgbClr>
-                  </a:outerShdw>
-                </a:effectLst>
-              </a:rPr>
-              <a:t>java -</a:t>
-            </a:r>
-            <a:r>
-              <a:rPr lang="en-US" sz="2000" dirty="0" err="1">
-                <a:solidFill>
-                  <a:schemeClr val="bg2">
-                    <a:lumMod val="25000"/>
-                    <a:lumOff val="75000"/>
-                  </a:schemeClr>
-                </a:solidFill>
-                <a:effectLst>
-                  <a:outerShdw blurRad="38100" dist="38100" dir="2700000" algn="tl">
-                    <a:srgbClr val="000000">
-                      <a:alpha val="43137"/>
-                    </a:srgbClr>
-                  </a:outerShdw>
-                </a:effectLst>
-              </a:rPr>
-              <a:t>classpath</a:t>
-            </a:r>
-            <a:r>
-              <a:rPr lang="en-US" sz="2000" dirty="0">
-                <a:solidFill>
-                  <a:schemeClr val="bg2">
-                    <a:lumMod val="25000"/>
-                    <a:lumOff val="75000"/>
-                  </a:schemeClr>
-                </a:solidFill>
-                <a:effectLst>
-                  <a:outerShdw blurRad="38100" dist="38100" dir="2700000" algn="tl">
-                    <a:srgbClr val="000000">
-                      <a:alpha val="43137"/>
-                    </a:srgbClr>
-                  </a:outerShdw>
-                </a:effectLst>
-              </a:rPr>
-              <a:t> jfreechart-1.0.19\lib\jcommon-1.0.23.jar;C:\randoop-3.0.10\randoop-all-3.0.10.jar </a:t>
-            </a:r>
-            <a:r>
-              <a:rPr lang="en-US" sz="2000" dirty="0" err="1">
-                <a:solidFill>
-                  <a:schemeClr val="bg2">
-                    <a:lumMod val="25000"/>
-                    <a:lumOff val="75000"/>
-                  </a:schemeClr>
-                </a:solidFill>
-                <a:effectLst>
-                  <a:outerShdw blurRad="38100" dist="38100" dir="2700000" algn="tl">
-                    <a:srgbClr val="000000">
-                      <a:alpha val="43137"/>
-                    </a:srgbClr>
-                  </a:outerShdw>
-                </a:effectLst>
-              </a:rPr>
-              <a:t>randoop.main.Main</a:t>
-            </a:r>
-            <a:r>
-              <a:rPr lang="en-US" sz="2000" dirty="0">
-                <a:solidFill>
-                  <a:schemeClr val="bg2">
-                    <a:lumMod val="25000"/>
-                    <a:lumOff val="75000"/>
-                  </a:schemeClr>
-                </a:solidFill>
-                <a:effectLst>
-                  <a:outerShdw blurRad="38100" dist="38100" dir="2700000" algn="tl">
-                    <a:srgbClr val="000000">
-                      <a:alpha val="43137"/>
-                    </a:srgbClr>
-                  </a:outerShdw>
-                </a:effectLst>
-              </a:rPr>
-              <a:t> </a:t>
-            </a:r>
-            <a:r>
-              <a:rPr lang="en-US" sz="2000" dirty="0" err="1">
-                <a:solidFill>
-                  <a:schemeClr val="bg2">
-                    <a:lumMod val="25000"/>
-                    <a:lumOff val="75000"/>
-                  </a:schemeClr>
-                </a:solidFill>
-                <a:effectLst>
-                  <a:outerShdw blurRad="38100" dist="38100" dir="2700000" algn="tl">
-                    <a:srgbClr val="000000">
-                      <a:alpha val="43137"/>
-                    </a:srgbClr>
-                  </a:outerShdw>
-                </a:effectLst>
-              </a:rPr>
-              <a:t>gentests</a:t>
-            </a:r>
-            <a:r>
-              <a:rPr lang="en-US" sz="2000" dirty="0">
-                <a:solidFill>
-                  <a:schemeClr val="bg2">
-                    <a:lumMod val="25000"/>
-                    <a:lumOff val="75000"/>
-                  </a:schemeClr>
-                </a:solidFill>
-                <a:effectLst>
-                  <a:outerShdw blurRad="38100" dist="38100" dir="2700000" algn="tl">
-                    <a:srgbClr val="000000">
-                      <a:alpha val="43137"/>
-                    </a:srgbClr>
-                  </a:outerShdw>
-                </a:effectLst>
-              </a:rPr>
-              <a:t> --classlist=classlist.txt --</a:t>
-            </a:r>
-            <a:r>
-              <a:rPr lang="en-US" sz="2000" dirty="0" err="1">
-                <a:solidFill>
-                  <a:schemeClr val="bg2">
-                    <a:lumMod val="25000"/>
-                    <a:lumOff val="75000"/>
-                  </a:schemeClr>
-                </a:solidFill>
-                <a:effectLst>
-                  <a:outerShdw blurRad="38100" dist="38100" dir="2700000" algn="tl">
-                    <a:srgbClr val="000000">
-                      <a:alpha val="43137"/>
-                    </a:srgbClr>
-                  </a:outerShdw>
-                </a:effectLst>
-              </a:rPr>
-              <a:t>testsperfile</a:t>
-            </a:r>
-            <a:r>
-              <a:rPr lang="en-US" sz="2000" dirty="0">
-                <a:solidFill>
-                  <a:schemeClr val="bg2">
-                    <a:lumMod val="25000"/>
-                    <a:lumOff val="75000"/>
-                  </a:schemeClr>
-                </a:solidFill>
-                <a:effectLst>
-                  <a:outerShdw blurRad="38100" dist="38100" dir="2700000" algn="tl">
-                    <a:srgbClr val="000000">
-                      <a:alpha val="43137"/>
-                    </a:srgbClr>
-                  </a:outerShdw>
-                </a:effectLst>
-              </a:rPr>
-              <a:t>=10</a:t>
-            </a:r>
+            <a:pPr algn="ctr"/>
+            <a:endParaRPr lang="en-US" b="1">
+              <a:ln w="22225">
+                <a:solidFill>
+                  <a:schemeClr val="accent2"/>
+                </a:solidFill>
+                <a:prstDash val="solid"/>
+              </a:ln>
+              <a:solidFill>
+                <a:schemeClr val="accent2">
+                  <a:lumMod val="40000"/>
+                  <a:lumOff val="60000"/>
+                </a:schemeClr>
+              </a:solidFill>
+            </a:endParaRPr>
+          </a:p>
+        </p:txBody>
+      </p:sp>
+      <p:sp>
+        <p:nvSpPr>
+          <p:cNvPr id="8" name="Oval 7"/>
+          <p:cNvSpPr/>
+          <p:nvPr/>
+        </p:nvSpPr>
+        <p:spPr>
+          <a:xfrm>
+            <a:off x="1598612" y="2554877"/>
+            <a:ext cx="1633795" cy="533400"/>
+          </a:xfrm>
+          <a:prstGeom prst="ellipse">
+            <a:avLst/>
+          </a:prstGeom>
+          <a:noFill/>
+          <a:ln w="28575">
+            <a:solidFill>
+              <a:schemeClr val="accent3">
+                <a:lumMod val="60000"/>
+                <a:lumOff val="40000"/>
+              </a:schemeClr>
+            </a:solidFill>
+          </a:ln>
+        </p:spPr>
+        <p:style>
+          <a:lnRef idx="2">
+            <a:schemeClr val="accent2">
+              <a:shade val="50000"/>
+            </a:schemeClr>
+          </a:lnRef>
+          <a:fillRef idx="1">
+            <a:schemeClr val="accent2"/>
+          </a:fillRef>
+          <a:effectRef idx="0">
+            <a:schemeClr val="accent2"/>
+          </a:effectRef>
+          <a:fontRef idx="minor">
+            <a:schemeClr val="lt1"/>
+          </a:fontRef>
+        </p:style>
+        <p:txBody>
+          <a:bodyPr rtlCol="0" anchor="ctr"/>
+          <a:lstStyle/>
+          <a:p>
+            <a:pPr algn="ctr"/>
+            <a:endParaRPr lang="en-US" b="1">
+              <a:ln w="22225">
+                <a:solidFill>
+                  <a:schemeClr val="accent2"/>
+                </a:solidFill>
+                <a:prstDash val="solid"/>
+              </a:ln>
+              <a:solidFill>
+                <a:schemeClr val="accent2">
+                  <a:lumMod val="40000"/>
+                  <a:lumOff val="60000"/>
+                </a:schemeClr>
+              </a:solidFill>
+            </a:endParaRPr>
           </a:p>
         </p:txBody>
       </p:sp>
     </p:spTree>
     <p:extLst>
       <p:ext uri="{BB962C8B-B14F-4D97-AF65-F5344CB8AC3E}">
-        <p14:creationId xmlns:p14="http://schemas.microsoft.com/office/powerpoint/2010/main" val="3571908078"/>
+        <p14:creationId xmlns:p14="http://schemas.microsoft.com/office/powerpoint/2010/main" val="1922289128"/>
       </p:ext>
     </p:extLst>
   </p:cSld>
@@ -6178,7 +5964,7 @@
         <p:spPr>
           <a:xfrm>
             <a:off x="912812" y="0"/>
-            <a:ext cx="9144001" cy="857511"/>
+            <a:ext cx="9144001" cy="838200"/>
           </a:xfrm>
         </p:spPr>
         <p:txBody>
@@ -6214,13 +6000,13 @@
         </p:nvSpPr>
         <p:spPr>
           <a:xfrm>
-            <a:off x="6094412" y="1219200"/>
-            <a:ext cx="5791200" cy="5715000"/>
+            <a:off x="4057296" y="1143000"/>
+            <a:ext cx="7599716" cy="3124200"/>
           </a:xfrm>
         </p:spPr>
         <p:txBody>
           <a:bodyPr>
-            <a:normAutofit fontScale="85000" lnSpcReduction="20000"/>
+            <a:normAutofit fontScale="92500" lnSpcReduction="10000"/>
           </a:bodyPr>
           <a:lstStyle/>
           <a:p>
@@ -6228,116 +6014,75 @@
               <a:buNone/>
             </a:pPr>
             <a:r>
+              <a:rPr lang="en-US" b="1" dirty="0" err="1"/>
+              <a:t>JFreeChart</a:t>
+            </a:r>
+            <a:r>
+              <a:rPr lang="en-US" b="1" dirty="0"/>
+              <a:t>:</a:t>
+            </a:r>
+            <a:r>
               <a:rPr lang="en-US" dirty="0"/>
-              <a:t>Randoop generated:</a:t>
+              <a:t> is a comprehensive free chart library for the Java platform.</a:t>
             </a:r>
           </a:p>
           <a:p>
             <a:r>
               <a:rPr lang="en-US" dirty="0"/>
-              <a:t>The program generated several Java Visual windows when generating inputs. The program also, oddly enough, tried to send a file to my </a:t>
-            </a:r>
-            <a:r>
-              <a:rPr lang="en-US" dirty="0">
-                <a:solidFill>
-                  <a:schemeClr val="accent3">
-                    <a:lumMod val="60000"/>
-                    <a:lumOff val="40000"/>
-                  </a:schemeClr>
-                </a:solidFill>
-              </a:rPr>
-              <a:t>printer</a:t>
+              <a:t>Create a </a:t>
+            </a:r>
+            <a:r>
+              <a:rPr lang="en-US" dirty="0" err="1"/>
+              <a:t>classlist.text</a:t>
             </a:r>
             <a:r>
               <a:rPr lang="en-US" dirty="0"/>
-              <a:t> several times while generating inputs.</a:t>
+              <a:t> that contains the names from the file JCommon-1.0.23.jar library and generate test files by running the command below:</a:t>
             </a:r>
           </a:p>
           <a:p>
             <a:r>
               <a:rPr lang="en-US" dirty="0"/>
-              <a:t>Randoop generated 629201 normal method executions.</a:t>
-            </a:r>
-          </a:p>
-          <a:p>
+              <a:t>There are 131 class names in total for </a:t>
+            </a:r>
+            <a:r>
+              <a:rPr lang="en-US" dirty="0" err="1"/>
+              <a:t>JFreeChart</a:t>
+            </a:r>
             <a:r>
               <a:rPr lang="en-US" dirty="0"/>
-              <a:t>303 exceptional method executions.</a:t>
+              <a:t>.</a:t>
             </a:r>
           </a:p>
           <a:p>
             <a:r>
               <a:rPr lang="en-US" dirty="0"/>
-              <a:t>Average method execution time for normal termination was 0.12s</a:t>
-            </a:r>
-          </a:p>
-          <a:p>
-            <a:r>
-              <a:rPr lang="en-US" dirty="0"/>
-              <a:t> Average method execution time for exceptional termination is 60.6s</a:t>
+              <a:t>Note: We limited the number of tests per file to ten in order to keep the number of test methods per file manageable.</a:t>
             </a:r>
           </a:p>
           <a:p>
             <a:pPr marL="0" indent="0">
               <a:buNone/>
             </a:pPr>
-            <a:r>
-              <a:rPr lang="en-US" dirty="0"/>
-              <a:t>The program created </a:t>
-            </a:r>
-            <a:r>
-              <a:rPr lang="en-US" dirty="0">
-                <a:solidFill>
-                  <a:schemeClr val="accent3">
-                    <a:lumMod val="60000"/>
-                    <a:lumOff val="40000"/>
-                  </a:schemeClr>
-                </a:solidFill>
-              </a:rPr>
-              <a:t>4 error-revealing </a:t>
-            </a:r>
-            <a:r>
-              <a:rPr lang="en-US" dirty="0"/>
-              <a:t>tests and created 1 </a:t>
-            </a:r>
-            <a:r>
-              <a:rPr lang="en-US" dirty="0" err="1"/>
-              <a:t>ErrorTest</a:t>
-            </a:r>
-            <a:r>
-              <a:rPr lang="en-US" dirty="0"/>
-              <a:t> files. </a:t>
-            </a:r>
+            <a:endParaRPr lang="en-US" dirty="0"/>
           </a:p>
           <a:p>
             <a:pPr marL="0" indent="0">
               <a:buNone/>
             </a:pPr>
-            <a:r>
-              <a:rPr lang="en-US" dirty="0"/>
-              <a:t>The program created 1246 regression tests and created 125 error test files.</a:t>
-            </a:r>
-          </a:p>
-          <a:p>
-            <a:pPr marL="0" indent="0">
-              <a:buNone/>
-            </a:pPr>
-            <a:br>
-              <a:rPr lang="en-US" sz="1800" dirty="0"/>
-            </a:br>
-            <a:endParaRPr lang="en-US" sz="1800" dirty="0"/>
+            <a:endParaRPr lang="en-US" dirty="0"/>
           </a:p>
         </p:txBody>
       </p:sp>
       <p:pic>
         <p:nvPicPr>
-          <p:cNvPr id="14338" name="Picture 2" descr="Use_Case_3_2"/>
+          <p:cNvPr id="12290" name="Picture 2" descr="Use_Case_3_1"/>
           <p:cNvPicPr>
             <a:picLocks noChangeAspect="1" noChangeArrowheads="1"/>
           </p:cNvPicPr>
           <p:nvPr/>
         </p:nvPicPr>
-        <p:blipFill>
+        <p:blipFill rotWithShape="1">
           <a:blip r:embed="rId2">
             <a:extLst>
               <a:ext uri="{28A0092B-C50C-407E-A947-70E740481C1C}">
@@ -6345,15 +6090,13 @@
               </a:ext>
             </a:extLst>
           </a:blip>
-          <a:srcRect/>
-          <a:stretch>
-            <a:fillRect/>
-          </a:stretch>
+          <a:srcRect l="248" r="29505"/>
+          <a:stretch/>
         </p:blipFill>
         <p:spPr bwMode="auto">
           <a:xfrm>
-            <a:off x="379412" y="1254481"/>
-            <a:ext cx="5326706" cy="3451908"/>
+            <a:off x="354379" y="1227523"/>
+            <a:ext cx="3296795" cy="3801677"/>
           </a:xfrm>
           <a:prstGeom prst="rect">
             <a:avLst/>
@@ -6370,83 +6113,35 @@
           </a:extLst>
         </p:spPr>
       </p:pic>
-      <p:pic>
-        <p:nvPicPr>
-          <p:cNvPr id="14340" name="Picture 4" descr="Use_Case_3_3"/>
-          <p:cNvPicPr>
-            <a:picLocks noChangeAspect="1" noChangeArrowheads="1"/>
-          </p:cNvPicPr>
-          <p:nvPr/>
-        </p:nvPicPr>
-        <p:blipFill rotWithShape="1">
-          <a:blip r:embed="rId3">
-            <a:extLst>
-              <a:ext uri="{28A0092B-C50C-407E-A947-70E740481C1C}">
-                <a14:useLocalDpi xmlns:a14="http://schemas.microsoft.com/office/drawing/2010/main" val="0"/>
-              </a:ext>
-            </a:extLst>
-          </a:blip>
-          <a:srcRect t="38123" b="-2"/>
-          <a:stretch/>
-        </p:blipFill>
-        <p:spPr bwMode="auto">
-          <a:xfrm>
-            <a:off x="379412" y="4754880"/>
-            <a:ext cx="5326706" cy="2103120"/>
-          </a:xfrm>
-          <a:prstGeom prst="rect">
-            <a:avLst/>
-          </a:prstGeom>
-          <a:noFill/>
-          <a:extLst>
-            <a:ext uri="{909E8E84-426E-40DD-AFC4-6F175D3DCCD1}">
-              <a14:hiddenFill xmlns:a14="http://schemas.microsoft.com/office/drawing/2010/main">
-                <a:solidFill>
-                  <a:srgbClr val="FFFFFF"/>
-                </a:solidFill>
-              </a14:hiddenFill>
-            </a:ext>
-          </a:extLst>
-        </p:spPr>
-      </p:pic>
       <p:sp>
         <p:nvSpPr>
-          <p:cNvPr id="8" name="Rectangle: Rounded Corners 7"/>
+          <p:cNvPr id="3" name="Rectangle 2"/>
           <p:cNvSpPr/>
           <p:nvPr/>
         </p:nvSpPr>
         <p:spPr>
           <a:xfrm>
-            <a:off x="219718" y="4590816"/>
-            <a:ext cx="5569894" cy="328127"/>
+            <a:off x="727864" y="5943600"/>
+            <a:ext cx="10899851" cy="707886"/>
           </a:xfrm>
-          <a:prstGeom prst="roundRect">
+          <a:prstGeom prst="rect">
             <a:avLst/>
           </a:prstGeom>
         </p:spPr>
-        <p:style>
-          <a:lnRef idx="2">
-            <a:schemeClr val="accent1">
-              <a:shade val="50000"/>
-            </a:schemeClr>
-          </a:lnRef>
-          <a:fillRef idx="1">
-            <a:schemeClr val="accent1"/>
-          </a:fillRef>
-          <a:effectRef idx="0">
-            <a:schemeClr val="accent1"/>
-          </a:effectRef>
-          <a:fontRef idx="minor">
-            <a:schemeClr val="lt1"/>
-          </a:fontRef>
-        </p:style>
         <p:txBody>
-          <a:bodyPr rtlCol="0" anchor="ctr"/>
+          <a:bodyPr wrap="square">
+            <a:spAutoFit/>
+          </a:bodyPr>
           <a:lstStyle/>
           <a:p>
-            <a:pPr algn="ctr"/>
-            <a:r>
-              <a:rPr lang="en-US" sz="2400" dirty="0">
+            <a:r>
+              <a:rPr lang="en-US" sz="2000" dirty="0">
+                <a:solidFill>
+                  <a:schemeClr val="bg2">
+                    <a:lumMod val="25000"/>
+                    <a:lumOff val="75000"/>
+                  </a:schemeClr>
+                </a:solidFill>
                 <a:effectLst>
                   <a:outerShdw blurRad="38100" dist="38100" dir="2700000" algn="tl">
                     <a:srgbClr val="000000">
@@ -6455,7 +6150,151 @@
                   </a:outerShdw>
                 </a:effectLst>
               </a:rPr>
-              <a:t>……</a:t>
+              <a:t>java -</a:t>
+            </a:r>
+            <a:r>
+              <a:rPr lang="en-US" sz="2000" dirty="0" err="1">
+                <a:solidFill>
+                  <a:schemeClr val="bg2">
+                    <a:lumMod val="25000"/>
+                    <a:lumOff val="75000"/>
+                  </a:schemeClr>
+                </a:solidFill>
+                <a:effectLst>
+                  <a:outerShdw blurRad="38100" dist="38100" dir="2700000" algn="tl">
+                    <a:srgbClr val="000000">
+                      <a:alpha val="43137"/>
+                    </a:srgbClr>
+                  </a:outerShdw>
+                </a:effectLst>
+              </a:rPr>
+              <a:t>classpath</a:t>
+            </a:r>
+            <a:r>
+              <a:rPr lang="en-US" sz="2000" dirty="0">
+                <a:solidFill>
+                  <a:schemeClr val="bg2">
+                    <a:lumMod val="25000"/>
+                    <a:lumOff val="75000"/>
+                  </a:schemeClr>
+                </a:solidFill>
+                <a:effectLst>
+                  <a:outerShdw blurRad="38100" dist="38100" dir="2700000" algn="tl">
+                    <a:srgbClr val="000000">
+                      <a:alpha val="43137"/>
+                    </a:srgbClr>
+                  </a:outerShdw>
+                </a:effectLst>
+              </a:rPr>
+              <a:t> jfreechart-1.0.19\lib\jcommon-1.0.23.jar;C:\randoop-3.0.10\randoop-all-3.0.10.jar </a:t>
+            </a:r>
+            <a:r>
+              <a:rPr lang="en-US" sz="2000" dirty="0" err="1">
+                <a:solidFill>
+                  <a:schemeClr val="bg2">
+                    <a:lumMod val="25000"/>
+                    <a:lumOff val="75000"/>
+                  </a:schemeClr>
+                </a:solidFill>
+                <a:effectLst>
+                  <a:outerShdw blurRad="38100" dist="38100" dir="2700000" algn="tl">
+                    <a:srgbClr val="000000">
+                      <a:alpha val="43137"/>
+                    </a:srgbClr>
+                  </a:outerShdw>
+                </a:effectLst>
+              </a:rPr>
+              <a:t>randoop.main.Main</a:t>
+            </a:r>
+            <a:r>
+              <a:rPr lang="en-US" sz="2000" dirty="0">
+                <a:solidFill>
+                  <a:schemeClr val="bg2">
+                    <a:lumMod val="25000"/>
+                    <a:lumOff val="75000"/>
+                  </a:schemeClr>
+                </a:solidFill>
+                <a:effectLst>
+                  <a:outerShdw blurRad="38100" dist="38100" dir="2700000" algn="tl">
+                    <a:srgbClr val="000000">
+                      <a:alpha val="43137"/>
+                    </a:srgbClr>
+                  </a:outerShdw>
+                </a:effectLst>
+              </a:rPr>
+              <a:t> </a:t>
+            </a:r>
+            <a:r>
+              <a:rPr lang="en-US" sz="2000" dirty="0" err="1">
+                <a:solidFill>
+                  <a:schemeClr val="bg2">
+                    <a:lumMod val="25000"/>
+                    <a:lumOff val="75000"/>
+                  </a:schemeClr>
+                </a:solidFill>
+                <a:effectLst>
+                  <a:outerShdw blurRad="38100" dist="38100" dir="2700000" algn="tl">
+                    <a:srgbClr val="000000">
+                      <a:alpha val="43137"/>
+                    </a:srgbClr>
+                  </a:outerShdw>
+                </a:effectLst>
+              </a:rPr>
+              <a:t>gentests</a:t>
+            </a:r>
+            <a:r>
+              <a:rPr lang="en-US" sz="2000" dirty="0">
+                <a:solidFill>
+                  <a:schemeClr val="bg2">
+                    <a:lumMod val="25000"/>
+                    <a:lumOff val="75000"/>
+                  </a:schemeClr>
+                </a:solidFill>
+                <a:effectLst>
+                  <a:outerShdw blurRad="38100" dist="38100" dir="2700000" algn="tl">
+                    <a:srgbClr val="000000">
+                      <a:alpha val="43137"/>
+                    </a:srgbClr>
+                  </a:outerShdw>
+                </a:effectLst>
+              </a:rPr>
+              <a:t> --classlist=classlist.txt --</a:t>
+            </a:r>
+            <a:r>
+              <a:rPr lang="en-US" sz="2000" dirty="0" err="1">
+                <a:solidFill>
+                  <a:schemeClr val="bg2">
+                    <a:lumMod val="25000"/>
+                    <a:lumOff val="75000"/>
+                  </a:schemeClr>
+                </a:solidFill>
+                <a:effectLst>
+                  <a:outerShdw blurRad="38100" dist="38100" dir="2700000" algn="tl">
+                    <a:srgbClr val="000000">
+                      <a:alpha val="43137"/>
+                    </a:srgbClr>
+                  </a:outerShdw>
+                </a:effectLst>
+              </a:rPr>
+              <a:t>testsperfile</a:t>
+            </a:r>
+            <a:r>
+              <a:rPr lang="en-US" sz="2000" dirty="0">
+                <a:solidFill>
+                  <a:schemeClr val="bg2">
+                    <a:lumMod val="25000"/>
+                    <a:lumOff val="75000"/>
+                  </a:schemeClr>
+                </a:solidFill>
+                <a:effectLst>
+                  <a:outerShdw blurRad="38100" dist="38100" dir="2700000" algn="tl">
+                    <a:srgbClr val="000000">
+                      <a:alpha val="43137"/>
+                    </a:srgbClr>
+                  </a:outerShdw>
+                </a:effectLst>
+              </a:rPr>
+              <a:t>=10</a:t>
             </a:r>
           </a:p>
         </p:txBody>
@@ -6463,7 +6302,7 @@
     </p:spTree>
     <p:extLst>
       <p:ext uri="{BB962C8B-B14F-4D97-AF65-F5344CB8AC3E}">
-        <p14:creationId xmlns:p14="http://schemas.microsoft.com/office/powerpoint/2010/main" val="1108040105"/>
+        <p14:creationId xmlns:p14="http://schemas.microsoft.com/office/powerpoint/2010/main" val="3571908078"/>
       </p:ext>
     </p:extLst>
   </p:cSld>
@@ -6515,7 +6354,7 @@
         <p:spPr>
           <a:xfrm>
             <a:off x="912812" y="0"/>
-            <a:ext cx="9144001" cy="838200"/>
+            <a:ext cx="9144001" cy="857511"/>
           </a:xfrm>
         </p:spPr>
         <p:txBody>
@@ -6551,48 +6390,30 @@
         </p:nvSpPr>
         <p:spPr>
           <a:xfrm>
-            <a:off x="5561012" y="1143000"/>
-            <a:ext cx="6096000" cy="4724400"/>
+            <a:off x="6094412" y="1219200"/>
+            <a:ext cx="5791200" cy="5715000"/>
           </a:xfrm>
         </p:spPr>
         <p:txBody>
           <a:bodyPr>
-            <a:normAutofit fontScale="85000" lnSpcReduction="10000"/>
+            <a:normAutofit fontScale="85000" lnSpcReduction="20000"/>
           </a:bodyPr>
           <a:lstStyle/>
-          <a:p>
-            <a:r>
-              <a:rPr lang="en-US" dirty="0"/>
-              <a:t>Like the regression tests, ErrorTest.java is a single class that uses a @</a:t>
-            </a:r>
-            <a:r>
-              <a:rPr lang="en-US" dirty="0" err="1"/>
-              <a:t>Runwith</a:t>
-            </a:r>
-            <a:r>
-              <a:rPr lang="en-US" dirty="0"/>
-              <a:t> annotation to invoke ErrorTest0.java. RegressionTest.java also contains a class that uses the @</a:t>
-            </a:r>
-            <a:r>
-              <a:rPr lang="en-US" dirty="0" err="1"/>
-              <a:t>RunWith</a:t>
-            </a:r>
-            <a:r>
-              <a:rPr lang="en-US" dirty="0"/>
-              <a:t> annotation to invoke the other 125 regression tests.</a:t>
-            </a:r>
-          </a:p>
-          <a:p>
-            <a:r>
-              <a:rPr lang="en-US" dirty="0"/>
-              <a:t>The error-revealing tests  include comments telling the user what error caused the test to fail during generation. For example, test2() in ErrorTest0 includes the comment:</a:t>
-            </a:r>
-          </a:p>
           <a:p>
             <a:pPr marL="0" indent="0">
               <a:buNone/>
             </a:pPr>
             <a:r>
+              <a:rPr lang="en-US" dirty="0"/>
+              <a:t>Randoop generated:</a:t>
+            </a:r>
+          </a:p>
+          <a:p>
+            <a:r>
+              <a:rPr lang="en-US" dirty="0"/>
+              <a:t>The program generated several Java Visual windows when generating inputs. The program also, oddly enough, tried to send a file to my </a:t>
+            </a:r>
+            <a:r>
               <a:rPr lang="en-US" dirty="0">
                 <a:solidFill>
                   <a:schemeClr val="accent3">
@@ -6601,10 +6422,47 @@
                   </a:schemeClr>
                 </a:solidFill>
               </a:rPr>
-              <a:t>// during test generation this statement threw an exception of type </a:t>
-            </a:r>
-            <a:r>
-              <a:rPr lang="en-US" dirty="0" err="1">
+              <a:t>printer</a:t>
+            </a:r>
+            <a:r>
+              <a:rPr lang="en-US" dirty="0"/>
+              <a:t> several times while generating inputs.</a:t>
+            </a:r>
+          </a:p>
+          <a:p>
+            <a:r>
+              <a:rPr lang="en-US" dirty="0"/>
+              <a:t>Randoop generated 629201 normal method executions.</a:t>
+            </a:r>
+          </a:p>
+          <a:p>
+            <a:r>
+              <a:rPr lang="en-US" dirty="0"/>
+              <a:t>303 exceptional method executions.</a:t>
+            </a:r>
+          </a:p>
+          <a:p>
+            <a:r>
+              <a:rPr lang="en-US" dirty="0"/>
+              <a:t>Average method execution time for normal termination was 0.12s</a:t>
+            </a:r>
+          </a:p>
+          <a:p>
+            <a:r>
+              <a:rPr lang="en-US" dirty="0"/>
+              <a:t> Average method execution time for exceptional termination is 60.6s</a:t>
+            </a:r>
+          </a:p>
+          <a:p>
+            <a:pPr marL="0" indent="0">
+              <a:buNone/>
+            </a:pPr>
+            <a:r>
+              <a:rPr lang="en-US" dirty="0"/>
+              <a:t>The program created </a:t>
+            </a:r>
+            <a:r>
+              <a:rPr lang="en-US" dirty="0">
                 <a:solidFill>
                   <a:schemeClr val="accent3">
                     <a:lumMod val="60000"/>
@@ -6612,51 +6470,44 @@
                   </a:schemeClr>
                 </a:solidFill>
               </a:rPr>
-              <a:t>java.lang.NullPointerException</a:t>
-            </a:r>
-            <a:r>
-              <a:rPr lang="en-US" dirty="0">
-                <a:solidFill>
-                  <a:schemeClr val="accent3">
-                    <a:lumMod val="60000"/>
-                    <a:lumOff val="40000"/>
-                  </a:schemeClr>
-                </a:solidFill>
-              </a:rPr>
-              <a:t> in error</a:t>
-            </a:r>
-          </a:p>
-          <a:p>
+              <a:t>4 error-revealing </a:t>
+            </a:r>
             <a:r>
               <a:rPr lang="en-US" dirty="0"/>
-              <a:t>If </a:t>
+              <a:t>tests and created 1 </a:t>
             </a:r>
             <a:r>
               <a:rPr lang="en-US" dirty="0" err="1"/>
-              <a:t>JFreeChart</a:t>
+              <a:t>ErrorTest</a:t>
             </a:r>
             <a:r>
               <a:rPr lang="en-US" dirty="0"/>
-              <a:t> was still under development, we would find the source of these exceptions, edit the source code, and rerun Randoop to see if the program generates these errors again.</a:t>
+              <a:t> files. </a:t>
             </a:r>
           </a:p>
           <a:p>
             <a:pPr marL="0" indent="0">
               <a:buNone/>
             </a:pPr>
-            <a:endParaRPr lang="en-US" dirty="0"/>
+            <a:r>
+              <a:rPr lang="en-US" dirty="0"/>
+              <a:t>The program created 1246 regression tests and created 125 error test files.</a:t>
+            </a:r>
           </a:p>
           <a:p>
             <a:pPr marL="0" indent="0">
               <a:buNone/>
             </a:pPr>
-            <a:endParaRPr lang="en-US" dirty="0"/>
+            <a:br>
+              <a:rPr lang="en-US" sz="1800" dirty="0"/>
+            </a:br>
+            <a:endParaRPr lang="en-US" sz="1800" dirty="0"/>
           </a:p>
         </p:txBody>
       </p:sp>
       <p:pic>
         <p:nvPicPr>
-          <p:cNvPr id="12292" name="Picture 4" descr="Use_Case_3_4"/>
+          <p:cNvPr id="14338" name="Picture 2" descr="Use_Case_3_2"/>
           <p:cNvPicPr>
             <a:picLocks noChangeAspect="1" noChangeArrowheads="1"/>
           </p:cNvPicPr>
@@ -6677,8 +6528,8 @@
         </p:blipFill>
         <p:spPr bwMode="auto">
           <a:xfrm>
-            <a:off x="379412" y="1219200"/>
-            <a:ext cx="5000624" cy="4863621"/>
+            <a:off x="379412" y="1254481"/>
+            <a:ext cx="5326706" cy="3451908"/>
           </a:xfrm>
           <a:prstGeom prst="rect">
             <a:avLst/>
@@ -6695,41 +6546,71 @@
           </a:extLst>
         </p:spPr>
       </p:pic>
+      <p:pic>
+        <p:nvPicPr>
+          <p:cNvPr id="14340" name="Picture 4" descr="Use_Case_3_3"/>
+          <p:cNvPicPr>
+            <a:picLocks noChangeAspect="1" noChangeArrowheads="1"/>
+          </p:cNvPicPr>
+          <p:nvPr/>
+        </p:nvPicPr>
+        <p:blipFill rotWithShape="1">
+          <a:blip r:embed="rId3">
+            <a:extLst>
+              <a:ext uri="{28A0092B-C50C-407E-A947-70E740481C1C}">
+                <a14:useLocalDpi xmlns:a14="http://schemas.microsoft.com/office/drawing/2010/main" val="0"/>
+              </a:ext>
+            </a:extLst>
+          </a:blip>
+          <a:srcRect t="38123" b="-2"/>
+          <a:stretch/>
+        </p:blipFill>
+        <p:spPr bwMode="auto">
+          <a:xfrm>
+            <a:off x="379412" y="4754880"/>
+            <a:ext cx="5326706" cy="2103120"/>
+          </a:xfrm>
+          <a:prstGeom prst="rect">
+            <a:avLst/>
+          </a:prstGeom>
+          <a:noFill/>
+          <a:extLst>
+            <a:ext uri="{909E8E84-426E-40DD-AFC4-6F175D3DCCD1}">
+              <a14:hiddenFill xmlns:a14="http://schemas.microsoft.com/office/drawing/2010/main">
+                <a:solidFill>
+                  <a:srgbClr val="FFFFFF"/>
+                </a:solidFill>
+              </a14:hiddenFill>
+            </a:ext>
+          </a:extLst>
+        </p:spPr>
+      </p:pic>
       <p:sp>
         <p:nvSpPr>
-          <p:cNvPr id="9" name="Oval 8"/>
+          <p:cNvPr id="8" name="Rectangle: Rounded Corners 7"/>
           <p:cNvSpPr/>
           <p:nvPr/>
         </p:nvSpPr>
         <p:spPr>
           <a:xfrm>
-            <a:off x="379412" y="3886200"/>
-            <a:ext cx="5105400" cy="152400"/>
+            <a:off x="219718" y="4590816"/>
+            <a:ext cx="5569894" cy="328127"/>
           </a:xfrm>
-          <a:prstGeom prst="ellipse">
+          <a:prstGeom prst="roundRect">
             <a:avLst/>
           </a:prstGeom>
-          <a:noFill/>
-          <a:ln w="28575">
-            <a:solidFill>
-              <a:schemeClr val="accent3">
-                <a:lumMod val="60000"/>
-                <a:lumOff val="40000"/>
-              </a:schemeClr>
-            </a:solidFill>
-          </a:ln>
         </p:spPr>
         <p:style>
           <a:lnRef idx="2">
-            <a:schemeClr val="accent2">
+            <a:schemeClr val="accent1">
               <a:shade val="50000"/>
             </a:schemeClr>
           </a:lnRef>
           <a:fillRef idx="1">
-            <a:schemeClr val="accent2"/>
+            <a:schemeClr val="accent1"/>
           </a:fillRef>
           <a:effectRef idx="0">
-            <a:schemeClr val="accent2"/>
+            <a:schemeClr val="accent1"/>
           </a:effectRef>
           <a:fontRef idx="minor">
             <a:schemeClr val="lt1"/>
@@ -6740,27 +6621,25 @@
           <a:lstStyle/>
           <a:p>
             <a:pPr algn="ctr"/>
-            <a:endParaRPr lang="en-US" b="1">
-              <a:ln w="22225">
-                <a:solidFill>
-                  <a:schemeClr val="accent2"/>
-                </a:solidFill>
-                <a:prstDash val="solid"/>
-              </a:ln>
-              <a:solidFill>
-                <a:schemeClr val="accent2">
-                  <a:lumMod val="40000"/>
-                  <a:lumOff val="60000"/>
-                </a:schemeClr>
-              </a:solidFill>
-            </a:endParaRPr>
+            <a:r>
+              <a:rPr lang="en-US" sz="2400" dirty="0">
+                <a:effectLst>
+                  <a:outerShdw blurRad="38100" dist="38100" dir="2700000" algn="tl">
+                    <a:srgbClr val="000000">
+                      <a:alpha val="43137"/>
+                    </a:srgbClr>
+                  </a:outerShdw>
+                </a:effectLst>
+              </a:rPr>
+              <a:t>……</a:t>
+            </a:r>
           </a:p>
         </p:txBody>
       </p:sp>
     </p:spTree>
     <p:extLst>
       <p:ext uri="{BB962C8B-B14F-4D97-AF65-F5344CB8AC3E}">
-        <p14:creationId xmlns:p14="http://schemas.microsoft.com/office/powerpoint/2010/main" val="2516320008"/>
+        <p14:creationId xmlns:p14="http://schemas.microsoft.com/office/powerpoint/2010/main" val="1108040105"/>
       </p:ext>
     </p:extLst>
   </p:cSld>
@@ -6811,8 +6690,8 @@
         </p:nvSpPr>
         <p:spPr>
           <a:xfrm>
-            <a:off x="912812" y="76200"/>
-            <a:ext cx="9144001" cy="990600"/>
+            <a:off x="912812" y="0"/>
+            <a:ext cx="9144001" cy="838200"/>
           </a:xfrm>
         </p:spPr>
         <p:txBody>
@@ -6821,10 +6700,6 @@
           </a:bodyPr>
           <a:lstStyle/>
           <a:p>
-            <a:r>
-              <a:rPr lang="en-US" b="1" dirty="0"/>
-              <a:t>Tool Evaluation</a:t>
-            </a:r>
             <a:r>
               <a:rPr lang="en-US" sz="4800" dirty="0">
                 <a:effectLst>
@@ -6835,7 +6710,7 @@
                   </a:outerShdw>
                 </a:effectLst>
               </a:rPr>
-              <a:t>…</a:t>
+              <a:t>Use Case 3…</a:t>
             </a:r>
           </a:p>
         </p:txBody>
@@ -6852,226 +6727,189 @@
         </p:nvSpPr>
         <p:spPr>
           <a:xfrm>
-            <a:off x="760412" y="1143000"/>
-            <a:ext cx="10668000" cy="5486400"/>
+            <a:off x="5561012" y="1143000"/>
+            <a:ext cx="6096000" cy="4724400"/>
           </a:xfrm>
         </p:spPr>
         <p:txBody>
           <a:bodyPr>
-            <a:normAutofit/>
+            <a:normAutofit lnSpcReduction="10000"/>
           </a:bodyPr>
           <a:lstStyle/>
+          <a:p>
+            <a:r>
+              <a:rPr lang="en-US" dirty="0"/>
+              <a:t>An example of an error-revealing test file.</a:t>
+            </a:r>
+          </a:p>
+          <a:p>
+            <a:r>
+              <a:rPr lang="en-US" dirty="0"/>
+              <a:t>The error-revealing tests  include comments telling the user what error caused the test to fail during generation. For example:</a:t>
+            </a:r>
+          </a:p>
+          <a:p>
+            <a:r>
+              <a:rPr lang="en-US" dirty="0">
+                <a:solidFill>
+                  <a:schemeClr val="accent3">
+                    <a:lumMod val="60000"/>
+                    <a:lumOff val="40000"/>
+                  </a:schemeClr>
+                </a:solidFill>
+              </a:rPr>
+              <a:t>// during test generation this statement threw an exception of type </a:t>
+            </a:r>
+            <a:r>
+              <a:rPr lang="en-US" dirty="0" err="1">
+                <a:solidFill>
+                  <a:schemeClr val="accent3">
+                    <a:lumMod val="60000"/>
+                    <a:lumOff val="40000"/>
+                  </a:schemeClr>
+                </a:solidFill>
+              </a:rPr>
+              <a:t>java.lang.StackOverflowError</a:t>
+            </a:r>
+            <a:r>
+              <a:rPr lang="en-US" dirty="0">
+                <a:solidFill>
+                  <a:schemeClr val="accent3">
+                    <a:lumMod val="60000"/>
+                    <a:lumOff val="40000"/>
+                  </a:schemeClr>
+                </a:solidFill>
+              </a:rPr>
+              <a:t> in error</a:t>
+            </a:r>
+          </a:p>
+          <a:p>
+            <a:r>
+              <a:rPr lang="en-US" dirty="0"/>
+              <a:t>If </a:t>
+            </a:r>
+            <a:r>
+              <a:rPr lang="en-US" dirty="0" err="1"/>
+              <a:t>JFreeChart</a:t>
+            </a:r>
+            <a:r>
+              <a:rPr lang="en-US" dirty="0"/>
+              <a:t> was still under development, we would find the source of these exceptions, edit the source code, and rerun Randoop to see if the program generates these errors again.</a:t>
+            </a:r>
+          </a:p>
           <a:p>
             <a:pPr marL="0" indent="0">
               <a:buNone/>
             </a:pPr>
-            <a:r>
-              <a:rPr lang="en-US" dirty="0">
-                <a:effectLst>
-                  <a:outerShdw blurRad="38100" dist="38100" dir="2700000" algn="tl">
-                    <a:srgbClr val="000000">
-                      <a:alpha val="43137"/>
-                    </a:srgbClr>
-                  </a:outerShdw>
-                </a:effectLst>
-              </a:rPr>
-              <a:t>We have decided to evaluate the Randoop program based on the following criteria:</a:t>
-            </a:r>
-          </a:p>
-          <a:p>
-            <a:r>
-              <a:rPr lang="en-US" b="1" dirty="0">
-                <a:solidFill>
-                  <a:schemeClr val="accent2">
-                    <a:lumMod val="40000"/>
-                    <a:lumOff val="60000"/>
-                  </a:schemeClr>
-                </a:solidFill>
-                <a:effectLst>
-                  <a:outerShdw blurRad="38100" dist="38100" dir="2700000" algn="tl">
-                    <a:srgbClr val="000000">
-                      <a:alpha val="43137"/>
-                    </a:srgbClr>
-                  </a:outerShdw>
-                </a:effectLst>
-              </a:rPr>
-              <a:t>Ease of Use</a:t>
-            </a:r>
-            <a:r>
-              <a:rPr lang="en-US" dirty="0">
-                <a:solidFill>
-                  <a:schemeClr val="accent2">
-                    <a:lumMod val="40000"/>
-                    <a:lumOff val="60000"/>
-                  </a:schemeClr>
-                </a:solidFill>
-                <a:effectLst>
-                  <a:outerShdw blurRad="38100" dist="38100" dir="2700000" algn="tl">
-                    <a:srgbClr val="000000">
-                      <a:alpha val="43137"/>
-                    </a:srgbClr>
-                  </a:outerShdw>
-                </a:effectLst>
-              </a:rPr>
-              <a:t>: </a:t>
-            </a:r>
-            <a:r>
-              <a:rPr lang="en-US" dirty="0"/>
-              <a:t>Randoop does not include a GUI component. User must proficient in using the command line.</a:t>
-            </a:r>
-          </a:p>
-          <a:p>
-            <a:r>
-              <a:rPr lang="en-US" b="1" dirty="0">
-                <a:solidFill>
-                  <a:schemeClr val="accent2">
-                    <a:lumMod val="40000"/>
-                    <a:lumOff val="60000"/>
-                  </a:schemeClr>
-                </a:solidFill>
-                <a:effectLst>
-                  <a:outerShdw blurRad="38100" dist="38100" dir="2700000" algn="tl">
-                    <a:srgbClr val="000000">
-                      <a:alpha val="43137"/>
-                    </a:srgbClr>
-                  </a:outerShdw>
-                </a:effectLst>
-              </a:rPr>
-              <a:t>Options</a:t>
-            </a:r>
-            <a:r>
-              <a:rPr lang="en-US" dirty="0">
-                <a:solidFill>
-                  <a:schemeClr val="accent2">
-                    <a:lumMod val="40000"/>
-                    <a:lumOff val="60000"/>
-                  </a:schemeClr>
-                </a:solidFill>
-                <a:effectLst>
-                  <a:outerShdw blurRad="38100" dist="38100" dir="2700000" algn="tl">
-                    <a:srgbClr val="000000">
-                      <a:alpha val="43137"/>
-                    </a:srgbClr>
-                  </a:outerShdw>
-                </a:effectLst>
-              </a:rPr>
-              <a:t>: </a:t>
-            </a:r>
-            <a:r>
-              <a:rPr lang="en-US" dirty="0"/>
-              <a:t>Randoop does not include a GUI component. User must proficient in using the command line.</a:t>
-            </a:r>
-          </a:p>
-          <a:p>
-            <a:r>
-              <a:rPr lang="en-US" b="1" dirty="0">
-                <a:solidFill>
-                  <a:schemeClr val="accent2">
-                    <a:lumMod val="40000"/>
-                    <a:lumOff val="60000"/>
-                  </a:schemeClr>
-                </a:solidFill>
-                <a:effectLst>
-                  <a:outerShdw blurRad="38100" dist="38100" dir="2700000" algn="tl">
-                    <a:srgbClr val="000000">
-                      <a:alpha val="43137"/>
-                    </a:srgbClr>
-                  </a:outerShdw>
-                </a:effectLst>
-              </a:rPr>
-              <a:t>Adaptability</a:t>
-            </a:r>
-            <a:r>
-              <a:rPr lang="en-US" dirty="0">
-                <a:solidFill>
-                  <a:schemeClr val="accent2">
-                    <a:lumMod val="40000"/>
-                    <a:lumOff val="60000"/>
-                  </a:schemeClr>
-                </a:solidFill>
-                <a:effectLst>
-                  <a:outerShdw blurRad="38100" dist="38100" dir="2700000" algn="tl">
-                    <a:srgbClr val="000000">
-                      <a:alpha val="43137"/>
-                    </a:srgbClr>
-                  </a:outerShdw>
-                </a:effectLst>
-              </a:rPr>
-              <a:t>: </a:t>
-            </a:r>
-            <a:r>
-              <a:rPr lang="en-US" dirty="0">
-                <a:effectLst>
-                  <a:outerShdw blurRad="38100" dist="38100" dir="2700000" algn="tl">
-                    <a:srgbClr val="000000">
-                      <a:alpha val="43137"/>
-                    </a:srgbClr>
-                  </a:outerShdw>
-                </a:effectLst>
-              </a:rPr>
-              <a:t>Randoop is unable to generate test files for nondeterministic or set static …..( )</a:t>
-            </a:r>
-          </a:p>
-          <a:p>
-            <a:r>
-              <a:rPr lang="en-US" b="1" dirty="0">
-                <a:solidFill>
-                  <a:schemeClr val="accent2">
-                    <a:lumMod val="40000"/>
-                    <a:lumOff val="60000"/>
-                  </a:schemeClr>
-                </a:solidFill>
-              </a:rPr>
-              <a:t>Efficiency</a:t>
-            </a:r>
-            <a:r>
-              <a:rPr lang="en-US" dirty="0">
-                <a:solidFill>
-                  <a:schemeClr val="accent2">
-                    <a:lumMod val="40000"/>
-                    <a:lumOff val="60000"/>
-                  </a:schemeClr>
-                </a:solidFill>
-              </a:rPr>
-              <a:t>: </a:t>
-            </a:r>
-            <a:r>
-              <a:rPr lang="en-US" dirty="0"/>
-              <a:t>Randoop is able to generate a large number of tests very quickly, the program is able to generate test in literally less than a second.</a:t>
-            </a:r>
-          </a:p>
-          <a:p>
-            <a:endParaRPr lang="en-US" dirty="0">
+            <a:endParaRPr lang="en-US" dirty="0"/>
+          </a:p>
+          <a:p>
+            <a:pPr marL="0" indent="0">
+              <a:buNone/>
+            </a:pPr>
+            <a:endParaRPr lang="en-US" dirty="0"/>
+          </a:p>
+        </p:txBody>
+      </p:sp>
+      <p:pic>
+        <p:nvPicPr>
+          <p:cNvPr id="12292" name="Picture 4" descr="Use_Case_3_4"/>
+          <p:cNvPicPr>
+            <a:picLocks noChangeAspect="1" noChangeArrowheads="1"/>
+          </p:cNvPicPr>
+          <p:nvPr/>
+        </p:nvPicPr>
+        <p:blipFill>
+          <a:blip r:embed="rId2">
+            <a:extLst>
+              <a:ext uri="{28A0092B-C50C-407E-A947-70E740481C1C}">
+                <a14:useLocalDpi xmlns:a14="http://schemas.microsoft.com/office/drawing/2010/main" val="0"/>
+              </a:ext>
+            </a:extLst>
+          </a:blip>
+          <a:srcRect/>
+          <a:stretch>
+            <a:fillRect/>
+          </a:stretch>
+        </p:blipFill>
+        <p:spPr bwMode="auto">
+          <a:xfrm>
+            <a:off x="379412" y="1219200"/>
+            <a:ext cx="5000624" cy="4863621"/>
+          </a:xfrm>
+          <a:prstGeom prst="rect">
+            <a:avLst/>
+          </a:prstGeom>
+          <a:noFill/>
+          <a:extLst>
+            <a:ext uri="{909E8E84-426E-40DD-AFC4-6F175D3DCCD1}">
+              <a14:hiddenFill xmlns:a14="http://schemas.microsoft.com/office/drawing/2010/main">
+                <a:solidFill>
+                  <a:srgbClr val="FFFFFF"/>
+                </a:solidFill>
+              </a14:hiddenFill>
+            </a:ext>
+          </a:extLst>
+        </p:spPr>
+      </p:pic>
+      <p:sp>
+        <p:nvSpPr>
+          <p:cNvPr id="9" name="Oval 8"/>
+          <p:cNvSpPr/>
+          <p:nvPr/>
+        </p:nvSpPr>
+        <p:spPr>
+          <a:xfrm>
+            <a:off x="379412" y="3886200"/>
+            <a:ext cx="5105400" cy="152400"/>
+          </a:xfrm>
+          <a:prstGeom prst="ellipse">
+            <a:avLst/>
+          </a:prstGeom>
+          <a:noFill/>
+          <a:ln w="28575">
+            <a:solidFill>
+              <a:schemeClr val="accent3">
+                <a:lumMod val="60000"/>
+                <a:lumOff val="40000"/>
+              </a:schemeClr>
+            </a:solidFill>
+          </a:ln>
+        </p:spPr>
+        <p:style>
+          <a:lnRef idx="2">
+            <a:schemeClr val="accent2">
+              <a:shade val="50000"/>
+            </a:schemeClr>
+          </a:lnRef>
+          <a:fillRef idx="1">
+            <a:schemeClr val="accent2"/>
+          </a:fillRef>
+          <a:effectRef idx="0">
+            <a:schemeClr val="accent2"/>
+          </a:effectRef>
+          <a:fontRef idx="minor">
+            <a:schemeClr val="lt1"/>
+          </a:fontRef>
+        </p:style>
+        <p:txBody>
+          <a:bodyPr rtlCol="0" anchor="ctr"/>
+          <a:lstStyle/>
+          <a:p>
+            <a:pPr algn="ctr"/>
+            <a:endParaRPr lang="en-US" b="1">
+              <a:ln w="22225">
+                <a:solidFill>
+                  <a:schemeClr val="accent2"/>
+                </a:solidFill>
+                <a:prstDash val="solid"/>
+              </a:ln>
               <a:solidFill>
                 <a:schemeClr val="accent2">
                   <a:lumMod val="40000"/>
                   <a:lumOff val="60000"/>
                 </a:schemeClr>
               </a:solidFill>
-              <a:effectLst>
-                <a:outerShdw blurRad="38100" dist="38100" dir="2700000" algn="tl">
-                  <a:srgbClr val="000000">
-                    <a:alpha val="43137"/>
-                  </a:srgbClr>
-                </a:outerShdw>
-              </a:effectLst>
-            </a:endParaRPr>
-          </a:p>
-          <a:p>
-            <a:endParaRPr lang="en-US" dirty="0">
-              <a:solidFill>
-                <a:schemeClr val="accent2">
-                  <a:lumMod val="40000"/>
-                  <a:lumOff val="60000"/>
-                </a:schemeClr>
-              </a:solidFill>
-              <a:effectLst>
-                <a:outerShdw blurRad="38100" dist="38100" dir="2700000" algn="tl">
-                  <a:srgbClr val="000000">
-                    <a:alpha val="43137"/>
-                  </a:srgbClr>
-                </a:outerShdw>
-              </a:effectLst>
             </a:endParaRPr>
           </a:p>
         </p:txBody>
@@ -7079,7 +6917,7 @@
     </p:spTree>
     <p:extLst>
       <p:ext uri="{BB962C8B-B14F-4D97-AF65-F5344CB8AC3E}">
-        <p14:creationId xmlns:p14="http://schemas.microsoft.com/office/powerpoint/2010/main" val="309144690"/>
+        <p14:creationId xmlns:p14="http://schemas.microsoft.com/office/powerpoint/2010/main" val="2516320008"/>
       </p:ext>
     </p:extLst>
   </p:cSld>
@@ -7181,6 +7019,23 @@
           </a:bodyPr>
           <a:lstStyle/>
           <a:p>
+            <a:pPr marL="0" indent="0">
+              <a:buNone/>
+            </a:pPr>
+            <a:r>
+              <a:rPr lang="en-US" dirty="0">
+                <a:effectLst>
+                  <a:outerShdw blurRad="38100" dist="38100" dir="2700000" algn="tl">
+                    <a:srgbClr val="000000">
+                      <a:alpha val="43137"/>
+                    </a:srgbClr>
+                  </a:outerShdw>
+                </a:effectLst>
+              </a:rPr>
+              <a:t>We have decided to evaluate the Randoop program based on the following criteria:</a:t>
+            </a:r>
+          </a:p>
+          <a:p>
             <a:r>
               <a:rPr lang="en-US" b="1" dirty="0">
                 <a:solidFill>
@@ -7189,8 +7044,15 @@
                     <a:lumOff val="60000"/>
                   </a:schemeClr>
                 </a:solidFill>
-              </a:rPr>
-              <a:t>Installation</a:t>
+                <a:effectLst>
+                  <a:outerShdw blurRad="38100" dist="38100" dir="2700000" algn="tl">
+                    <a:srgbClr val="000000">
+                      <a:alpha val="43137"/>
+                    </a:srgbClr>
+                  </a:outerShdw>
+                </a:effectLst>
+              </a:rPr>
+              <a:t>Ease of Use</a:t>
             </a:r>
             <a:r>
               <a:rPr lang="en-US" dirty="0">
@@ -7200,12 +7062,19 @@
                     <a:lumOff val="60000"/>
                   </a:schemeClr>
                 </a:solidFill>
+                <a:effectLst>
+                  <a:outerShdw blurRad="38100" dist="38100" dir="2700000" algn="tl">
+                    <a:srgbClr val="000000">
+                      <a:alpha val="43137"/>
+                    </a:srgbClr>
+                  </a:outerShdw>
+                </a:effectLst>
               </a:rPr>
               <a:t>: </a:t>
             </a:r>
             <a:r>
               <a:rPr lang="en-US" dirty="0"/>
-              <a:t>Randoop is very easy to install, all the user has to do is unzip the main folder and place it in a directory.</a:t>
+              <a:t>Randoop does not include a GUI component. User must be proficient in using the command line.</a:t>
             </a:r>
           </a:p>
           <a:p>
@@ -7217,8 +7086,15 @@
                     <a:lumOff val="60000"/>
                   </a:schemeClr>
                 </a:solidFill>
-              </a:rPr>
-              <a:t>Learning Curve</a:t>
+                <a:effectLst>
+                  <a:outerShdw blurRad="38100" dist="38100" dir="2700000" algn="tl">
+                    <a:srgbClr val="000000">
+                      <a:alpha val="43137"/>
+                    </a:srgbClr>
+                  </a:outerShdw>
+                </a:effectLst>
+              </a:rPr>
+              <a:t>Adaptability</a:t>
             </a:r>
             <a:r>
               <a:rPr lang="en-US" dirty="0">
@@ -7228,20 +7104,27 @@
                     <a:lumOff val="60000"/>
                   </a:schemeClr>
                 </a:solidFill>
+                <a:effectLst>
+                  <a:outerShdw blurRad="38100" dist="38100" dir="2700000" algn="tl">
+                    <a:srgbClr val="000000">
+                      <a:alpha val="43137"/>
+                    </a:srgbClr>
+                  </a:outerShdw>
+                </a:effectLst>
               </a:rPr>
               <a:t>: </a:t>
             </a:r>
             <a:r>
-              <a:rPr lang="en-US" dirty="0"/>
-              <a:t>Randoop does not have a broad set of documentation and can sometimes be difficult to construct a </a:t>
-            </a:r>
-            <a:r>
-              <a:rPr lang="en-US" dirty="0" err="1"/>
-              <a:t>randoop</a:t>
-            </a:r>
-            <a:r>
-              <a:rPr lang="en-US" dirty="0"/>
-              <a:t> command.</a:t>
+              <a:rPr lang="en-US" dirty="0">
+                <a:effectLst>
+                  <a:outerShdw blurRad="38100" dist="38100" dir="2700000" algn="tl">
+                    <a:srgbClr val="000000">
+                      <a:alpha val="43137"/>
+                    </a:srgbClr>
+                  </a:outerShdw>
+                </a:effectLst>
+              </a:rPr>
+              <a:t>Randoop is unable to generate test files for nondeterministic or set static …..( )</a:t>
             </a:r>
           </a:p>
           <a:p>
@@ -7254,7 +7137,7 @@
                   </a:schemeClr>
                 </a:solidFill>
               </a:rPr>
-              <a:t>Scalability:</a:t>
+              <a:t>Efficiency</a:t>
             </a:r>
             <a:r>
               <a:rPr lang="en-US" dirty="0">
@@ -7265,17 +7148,19 @@
                   </a:schemeClr>
                 </a:solidFill>
               </a:rPr>
-              <a:t> </a:t>
+              <a:t>: </a:t>
             </a:r>
             <a:r>
               <a:rPr lang="en-US" dirty="0"/>
-              <a:t>In order to generate tests for multiple classes, the user has to create a text file that lists all of the class files. The larger the project, the longer it takes the user to create this text file. </a:t>
-            </a:r>
+              <a:t>Randoop is able to generate a large number of tests very quickly, the program is able to generate test in literally less than a second.</a:t>
+            </a:r>
+          </a:p>
+          <a:p>
             <a:endParaRPr lang="en-US" dirty="0">
               <a:solidFill>
-                <a:schemeClr val="bg2">
-                  <a:lumMod val="25000"/>
-                  <a:lumOff val="75000"/>
+                <a:schemeClr val="accent2">
+                  <a:lumMod val="40000"/>
+                  <a:lumOff val="60000"/>
                 </a:schemeClr>
               </a:solidFill>
               <a:effectLst>
@@ -7287,12 +7172,29 @@
               </a:effectLst>
             </a:endParaRPr>
           </a:p>
+          <a:p>
+            <a:endParaRPr lang="en-US" dirty="0">
+              <a:solidFill>
+                <a:schemeClr val="accent2">
+                  <a:lumMod val="40000"/>
+                  <a:lumOff val="60000"/>
+                </a:schemeClr>
+              </a:solidFill>
+              <a:effectLst>
+                <a:outerShdw blurRad="38100" dist="38100" dir="2700000" algn="tl">
+                  <a:srgbClr val="000000">
+                    <a:alpha val="43137"/>
+                  </a:srgbClr>
+                </a:outerShdw>
+              </a:effectLst>
+            </a:endParaRPr>
+          </a:p>
         </p:txBody>
       </p:sp>
     </p:spTree>
     <p:extLst>
       <p:ext uri="{BB962C8B-B14F-4D97-AF65-F5344CB8AC3E}">
-        <p14:creationId xmlns:p14="http://schemas.microsoft.com/office/powerpoint/2010/main" val="3905258452"/>
+        <p14:creationId xmlns:p14="http://schemas.microsoft.com/office/powerpoint/2010/main" val="309144690"/>
       </p:ext>
     </p:extLst>
   </p:cSld>
@@ -7535,7 +7437,19 @@
                   </a:outerShdw>
                 </a:effectLst>
               </a:rPr>
-              <a:t>Claim to fame:</a:t>
+              <a:t>Claim to fame: </a:t>
+            </a:r>
+            <a:r>
+              <a:rPr lang="en-US" dirty="0" err="1">
+                <a:effectLst>
+                  <a:outerShdw blurRad="38100" dist="38100" dir="2700000" algn="tl">
+                    <a:srgbClr val="000000">
+                      <a:alpha val="43137"/>
+                    </a:srgbClr>
+                  </a:outerShdw>
+                </a:effectLst>
+              </a:rPr>
+              <a:t>Randoop</a:t>
             </a:r>
             <a:r>
               <a:rPr lang="en-US" dirty="0">
@@ -7547,7 +7461,7 @@
                   </a:outerShdw>
                 </a:effectLst>
               </a:rPr>
-              <a:t>. Randoop has revealed previously-unknown errors even in widely-used libraries including Sun's and IBM's JDKs and a core .NET component. </a:t>
+              <a:t> has revealed previously-unknown errors even in widely-used libraries including Sun's and IBM's JDKs and a core .NET component. </a:t>
             </a:r>
           </a:p>
         </p:txBody>
@@ -7707,6 +7621,219 @@
         </p:nvSpPr>
         <p:spPr>
           <a:xfrm>
+            <a:off x="760412" y="1143000"/>
+            <a:ext cx="10668000" cy="5486400"/>
+          </a:xfrm>
+        </p:spPr>
+        <p:txBody>
+          <a:bodyPr>
+            <a:normAutofit/>
+          </a:bodyPr>
+          <a:lstStyle/>
+          <a:p>
+            <a:r>
+              <a:rPr lang="en-US" b="1" dirty="0">
+                <a:solidFill>
+                  <a:schemeClr val="accent2">
+                    <a:lumMod val="40000"/>
+                    <a:lumOff val="60000"/>
+                  </a:schemeClr>
+                </a:solidFill>
+              </a:rPr>
+              <a:t>Installation</a:t>
+            </a:r>
+            <a:r>
+              <a:rPr lang="en-US" dirty="0">
+                <a:solidFill>
+                  <a:schemeClr val="accent2">
+                    <a:lumMod val="40000"/>
+                    <a:lumOff val="60000"/>
+                  </a:schemeClr>
+                </a:solidFill>
+              </a:rPr>
+              <a:t>: </a:t>
+            </a:r>
+            <a:r>
+              <a:rPr lang="en-US" dirty="0"/>
+              <a:t>Randoop is very easy to install, all the user has to do is unzip the main folder and place it in a directory.</a:t>
+            </a:r>
+          </a:p>
+          <a:p>
+            <a:r>
+              <a:rPr lang="en-US" b="1" dirty="0">
+                <a:solidFill>
+                  <a:schemeClr val="accent2">
+                    <a:lumMod val="40000"/>
+                    <a:lumOff val="60000"/>
+                  </a:schemeClr>
+                </a:solidFill>
+              </a:rPr>
+              <a:t>Learning Curve</a:t>
+            </a:r>
+            <a:r>
+              <a:rPr lang="en-US" dirty="0">
+                <a:solidFill>
+                  <a:schemeClr val="accent2">
+                    <a:lumMod val="40000"/>
+                    <a:lumOff val="60000"/>
+                  </a:schemeClr>
+                </a:solidFill>
+              </a:rPr>
+              <a:t>: </a:t>
+            </a:r>
+            <a:r>
+              <a:rPr lang="en-US" dirty="0"/>
+              <a:t>Randoop does not have a broad set of documentation and can sometimes be difficult to construct a </a:t>
+            </a:r>
+            <a:r>
+              <a:rPr lang="en-US" dirty="0" err="1"/>
+              <a:t>randoop</a:t>
+            </a:r>
+            <a:r>
+              <a:rPr lang="en-US" dirty="0"/>
+              <a:t> command.</a:t>
+            </a:r>
+          </a:p>
+          <a:p>
+            <a:r>
+              <a:rPr lang="en-US" b="1" dirty="0">
+                <a:solidFill>
+                  <a:schemeClr val="accent2">
+                    <a:lumMod val="40000"/>
+                    <a:lumOff val="60000"/>
+                  </a:schemeClr>
+                </a:solidFill>
+              </a:rPr>
+              <a:t>Scalability:</a:t>
+            </a:r>
+            <a:r>
+              <a:rPr lang="en-US" dirty="0">
+                <a:solidFill>
+                  <a:schemeClr val="accent2">
+                    <a:lumMod val="40000"/>
+                    <a:lumOff val="60000"/>
+                  </a:schemeClr>
+                </a:solidFill>
+              </a:rPr>
+              <a:t> </a:t>
+            </a:r>
+            <a:r>
+              <a:rPr lang="en-US" dirty="0"/>
+              <a:t>In order to generate tests for multiple classes, the user has to create a text file that lists all of the class files. The larger the project, the longer it takes the user to create this text file. </a:t>
+            </a:r>
+            <a:endParaRPr lang="en-US" dirty="0">
+              <a:solidFill>
+                <a:schemeClr val="bg2">
+                  <a:lumMod val="25000"/>
+                  <a:lumOff val="75000"/>
+                </a:schemeClr>
+              </a:solidFill>
+              <a:effectLst>
+                <a:outerShdw blurRad="38100" dist="38100" dir="2700000" algn="tl">
+                  <a:srgbClr val="000000">
+                    <a:alpha val="43137"/>
+                  </a:srgbClr>
+                </a:outerShdw>
+              </a:effectLst>
+            </a:endParaRPr>
+          </a:p>
+        </p:txBody>
+      </p:sp>
+    </p:spTree>
+    <p:extLst>
+      <p:ext uri="{BB962C8B-B14F-4D97-AF65-F5344CB8AC3E}">
+        <p14:creationId xmlns:p14="http://schemas.microsoft.com/office/powerpoint/2010/main" val="3905258452"/>
+      </p:ext>
+    </p:extLst>
+  </p:cSld>
+  <p:clrMapOvr>
+    <a:masterClrMapping/>
+  </p:clrMapOvr>
+  <mc:AlternateContent xmlns:mc="http://schemas.openxmlformats.org/markup-compatibility/2006" xmlns:p14="http://schemas.microsoft.com/office/powerpoint/2010/main">
+    <mc:Choice Requires="p14">
+      <p:transition spd="med" p14:dur="700">
+        <p:fade/>
+      </p:transition>
+    </mc:Choice>
+    <mc:Fallback xmlns="">
+      <p:transition spd="med">
+        <p:fade/>
+      </p:transition>
+    </mc:Fallback>
+  </mc:AlternateContent>
+</p:sld>
+</file>
+
+<file path=ppt/slides/slide21.xml><?xml version="1.0" encoding="utf-8"?>
+<p:sld xmlns:a="http://schemas.openxmlformats.org/drawingml/2006/main" xmlns:r="http://schemas.openxmlformats.org/officeDocument/2006/relationships" xmlns:p="http://schemas.openxmlformats.org/presentationml/2006/main">
+  <p:cSld>
+    <p:spTree>
+      <p:nvGrpSpPr>
+        <p:cNvPr id="1" name=""/>
+        <p:cNvGrpSpPr/>
+        <p:nvPr/>
+      </p:nvGrpSpPr>
+      <p:grpSpPr>
+        <a:xfrm>
+          <a:off x="0" y="0"/>
+          <a:ext cx="0" cy="0"/>
+          <a:chOff x="0" y="0"/>
+          <a:chExt cx="0" cy="0"/>
+        </a:xfrm>
+      </p:grpSpPr>
+      <p:sp>
+        <p:nvSpPr>
+          <p:cNvPr id="13" name="Title 12"/>
+          <p:cNvSpPr>
+            <a:spLocks noGrp="1"/>
+          </p:cNvSpPr>
+          <p:nvPr>
+            <p:ph type="title"/>
+          </p:nvPr>
+        </p:nvSpPr>
+        <p:spPr>
+          <a:xfrm>
+            <a:off x="912812" y="76200"/>
+            <a:ext cx="9144001" cy="990600"/>
+          </a:xfrm>
+        </p:spPr>
+        <p:txBody>
+          <a:bodyPr>
+            <a:normAutofit/>
+          </a:bodyPr>
+          <a:lstStyle/>
+          <a:p>
+            <a:r>
+              <a:rPr lang="en-US" b="1" dirty="0"/>
+              <a:t>Tool Evaluation</a:t>
+            </a:r>
+            <a:r>
+              <a:rPr lang="en-US" sz="4800" dirty="0">
+                <a:effectLst>
+                  <a:outerShdw blurRad="38100" dist="38100" dir="2700000" algn="tl">
+                    <a:srgbClr val="000000">
+                      <a:alpha val="43137"/>
+                    </a:srgbClr>
+                  </a:outerShdw>
+                </a:effectLst>
+              </a:rPr>
+              <a:t>…</a:t>
+            </a:r>
+          </a:p>
+        </p:txBody>
+      </p:sp>
+      <p:sp>
+        <p:nvSpPr>
+          <p:cNvPr id="14" name="Content Placeholder 13"/>
+          <p:cNvSpPr>
+            <a:spLocks noGrp="1"/>
+          </p:cNvSpPr>
+          <p:nvPr>
+            <p:ph idx="1"/>
+          </p:nvPr>
+        </p:nvSpPr>
+        <p:spPr>
+          <a:xfrm>
             <a:off x="760412" y="1066800"/>
             <a:ext cx="10668000" cy="5486400"/>
           </a:xfrm>
@@ -7767,7 +7894,7 @@
 </p:sld>
 </file>
 
-<file path=ppt/slides/slide21.xml><?xml version="1.0" encoding="utf-8"?>
+<file path=ppt/slides/slide22.xml><?xml version="1.0" encoding="utf-8"?>
 <p:sld xmlns:a="http://schemas.openxmlformats.org/drawingml/2006/main" xmlns:r="http://schemas.openxmlformats.org/officeDocument/2006/relationships" xmlns:p="http://schemas.openxmlformats.org/presentationml/2006/main">
   <p:cSld>
     <p:spTree>
@@ -9520,7 +9647,7 @@
       </p:grpSpPr>
       <p:sp>
         <p:nvSpPr>
-          <p:cNvPr id="13" name="Title 12"/>
+          <p:cNvPr id="2" name="Title 1"/>
           <p:cNvSpPr>
             <a:spLocks noGrp="1"/>
           </p:cNvSpPr>
@@ -9530,34 +9657,24 @@
         </p:nvSpPr>
         <p:spPr>
           <a:xfrm>
-            <a:off x="912812" y="0"/>
-            <a:ext cx="9144001" cy="838200"/>
+            <a:off x="1598612" y="381000"/>
+            <a:ext cx="9144001" cy="914400"/>
           </a:xfrm>
         </p:spPr>
         <p:txBody>
-          <a:bodyPr>
-            <a:normAutofit/>
-          </a:bodyPr>
+          <a:bodyPr/>
           <a:lstStyle/>
           <a:p>
             <a:r>
-              <a:rPr lang="en-US" sz="4800" dirty="0">
-                <a:effectLst>
-                  <a:outerShdw blurRad="38100" dist="38100" dir="2700000" algn="tl">
-                    <a:srgbClr val="000000">
-                      <a:alpha val="43137"/>
-                    </a:srgbClr>
-                  </a:outerShdw>
-                </a:effectLst>
-              </a:rPr>
-              <a:t>Use Case 1…</a:t>
+              <a:rPr lang="en-US" dirty="0"/>
+              <a:t>Test Classification…</a:t>
             </a:r>
           </a:p>
         </p:txBody>
       </p:sp>
       <p:sp>
         <p:nvSpPr>
-          <p:cNvPr id="14" name="Content Placeholder 13"/>
+          <p:cNvPr id="3" name="Content Placeholder 2"/>
           <p:cNvSpPr>
             <a:spLocks noGrp="1"/>
           </p:cNvSpPr>
@@ -9567,317 +9684,17 @@
         </p:nvSpPr>
         <p:spPr>
           <a:xfrm>
-            <a:off x="760412" y="1447800"/>
-            <a:ext cx="10744199" cy="5029200"/>
+            <a:off x="1217612" y="1288473"/>
+            <a:ext cx="9134391" cy="4426527"/>
           </a:xfrm>
         </p:spPr>
         <p:txBody>
           <a:bodyPr>
-            <a:normAutofit/>
+            <a:normAutofit lnSpcReduction="10000"/>
           </a:bodyPr>
           <a:lstStyle/>
           <a:p>
-            <a:pPr marL="0" indent="0">
-              <a:buNone/>
-            </a:pPr>
-            <a:r>
-              <a:rPr lang="en-US" b="1" dirty="0" err="1">
-                <a:effectLst>
-                  <a:outerShdw blurRad="38100" dist="38100" dir="2700000" algn="tl">
-                    <a:srgbClr val="000000">
-                      <a:alpha val="43137"/>
-                    </a:srgbClr>
-                  </a:outerShdw>
-                </a:effectLst>
-              </a:rPr>
-              <a:t>GuessApp</a:t>
-            </a:r>
-            <a:r>
-              <a:rPr lang="en-US" dirty="0">
-                <a:effectLst>
-                  <a:outerShdw blurRad="38100" dist="38100" dir="2700000" algn="tl">
-                    <a:srgbClr val="000000">
-                      <a:alpha val="43137"/>
-                    </a:srgbClr>
-                  </a:outerShdw>
-                </a:effectLst>
-              </a:rPr>
-              <a:t>  :  a simple game that generates a random number between 1 and 10 and records how long it takes for the user to guess the correct number. </a:t>
-            </a:r>
-          </a:p>
-          <a:p>
-            <a:pPr marL="0" indent="0">
-              <a:buNone/>
-            </a:pPr>
-            <a:r>
-              <a:rPr lang="en-US" dirty="0">
-                <a:effectLst>
-                  <a:outerShdw blurRad="38100" dist="38100" dir="2700000" algn="tl">
-                    <a:srgbClr val="000000">
-                      <a:alpha val="43137"/>
-                    </a:srgbClr>
-                  </a:outerShdw>
-                </a:effectLst>
-              </a:rPr>
-              <a:t>The first use case was run on the </a:t>
-            </a:r>
-            <a:r>
-              <a:rPr lang="en-US" dirty="0" err="1">
-                <a:effectLst>
-                  <a:outerShdw blurRad="38100" dist="38100" dir="2700000" algn="tl">
-                    <a:srgbClr val="000000">
-                      <a:alpha val="43137"/>
-                    </a:srgbClr>
-                  </a:outerShdw>
-                </a:effectLst>
-              </a:rPr>
-              <a:t>GuessLogic</a:t>
-            </a:r>
-            <a:r>
-              <a:rPr lang="en-US" dirty="0">
-                <a:effectLst>
-                  <a:outerShdw blurRad="38100" dist="38100" dir="2700000" algn="tl">
-                    <a:srgbClr val="000000">
-                      <a:alpha val="43137"/>
-                    </a:srgbClr>
-                  </a:outerShdw>
-                </a:effectLst>
-              </a:rPr>
-              <a:t> class in the </a:t>
-            </a:r>
-            <a:r>
-              <a:rPr lang="en-US" dirty="0" err="1">
-                <a:effectLst>
-                  <a:outerShdw blurRad="38100" dist="38100" dir="2700000" algn="tl">
-                    <a:srgbClr val="000000">
-                      <a:alpha val="43137"/>
-                    </a:srgbClr>
-                  </a:outerShdw>
-                </a:effectLst>
-              </a:rPr>
-              <a:t>GuessApp</a:t>
-            </a:r>
-            <a:r>
-              <a:rPr lang="en-US" dirty="0">
-                <a:effectLst>
-                  <a:outerShdw blurRad="38100" dist="38100" dir="2700000" algn="tl">
-                    <a:srgbClr val="000000">
-                      <a:alpha val="43137"/>
-                    </a:srgbClr>
-                  </a:outerShdw>
-                </a:effectLst>
-              </a:rPr>
-              <a:t> project. The command used to invoke Randoop on </a:t>
-            </a:r>
-            <a:r>
-              <a:rPr lang="en-US" dirty="0" err="1">
-                <a:effectLst>
-                  <a:outerShdw blurRad="38100" dist="38100" dir="2700000" algn="tl">
-                    <a:srgbClr val="000000">
-                      <a:alpha val="43137"/>
-                    </a:srgbClr>
-                  </a:outerShdw>
-                </a:effectLst>
-              </a:rPr>
-              <a:t>GuessLogic.class</a:t>
-            </a:r>
-            <a:r>
-              <a:rPr lang="en-US" dirty="0">
-                <a:effectLst>
-                  <a:outerShdw blurRad="38100" dist="38100" dir="2700000" algn="tl">
-                    <a:srgbClr val="000000">
-                      <a:alpha val="43137"/>
-                    </a:srgbClr>
-                  </a:outerShdw>
-                </a:effectLst>
-              </a:rPr>
-              <a:t> is listed below:</a:t>
-            </a:r>
-          </a:p>
-          <a:p>
-            <a:pPr marL="0" indent="0">
-              <a:buNone/>
-            </a:pPr>
-            <a:r>
-              <a:rPr lang="en-US" dirty="0">
-                <a:solidFill>
-                  <a:schemeClr val="bg2">
-                    <a:lumMod val="25000"/>
-                    <a:lumOff val="75000"/>
-                  </a:schemeClr>
-                </a:solidFill>
-                <a:effectLst>
-                  <a:outerShdw blurRad="38100" dist="38100" dir="2700000" algn="tl">
-                    <a:srgbClr val="000000">
-                      <a:alpha val="43137"/>
-                    </a:srgbClr>
-                  </a:outerShdw>
-                </a:effectLst>
-              </a:rPr>
-              <a:t>java -</a:t>
-            </a:r>
-            <a:r>
-              <a:rPr lang="en-US" dirty="0" err="1">
-                <a:solidFill>
-                  <a:schemeClr val="bg2">
-                    <a:lumMod val="25000"/>
-                    <a:lumOff val="75000"/>
-                  </a:schemeClr>
-                </a:solidFill>
-                <a:effectLst>
-                  <a:outerShdw blurRad="38100" dist="38100" dir="2700000" algn="tl">
-                    <a:srgbClr val="000000">
-                      <a:alpha val="43137"/>
-                    </a:srgbClr>
-                  </a:outerShdw>
-                </a:effectLst>
-              </a:rPr>
-              <a:t>classpath</a:t>
-            </a:r>
-            <a:r>
-              <a:rPr lang="en-US" dirty="0">
-                <a:solidFill>
-                  <a:schemeClr val="bg2">
-                    <a:lumMod val="25000"/>
-                    <a:lumOff val="75000"/>
-                  </a:schemeClr>
-                </a:solidFill>
-                <a:effectLst>
-                  <a:outerShdw blurRad="38100" dist="38100" dir="2700000" algn="tl">
-                    <a:srgbClr val="000000">
-                      <a:alpha val="43137"/>
-                    </a:srgbClr>
-                  </a:outerShdw>
-                </a:effectLst>
-              </a:rPr>
-              <a:t> C:\randoop-3.0.10\randoop-all-3.0.10.jar;GuessApp\build\classes </a:t>
-            </a:r>
-            <a:r>
-              <a:rPr lang="en-US" dirty="0" err="1">
-                <a:solidFill>
-                  <a:schemeClr val="bg2">
-                    <a:lumMod val="25000"/>
-                    <a:lumOff val="75000"/>
-                  </a:schemeClr>
-                </a:solidFill>
-                <a:effectLst>
-                  <a:outerShdw blurRad="38100" dist="38100" dir="2700000" algn="tl">
-                    <a:srgbClr val="000000">
-                      <a:alpha val="43137"/>
-                    </a:srgbClr>
-                  </a:outerShdw>
-                </a:effectLst>
-              </a:rPr>
-              <a:t>randoop.main.Main</a:t>
-            </a:r>
-            <a:r>
-              <a:rPr lang="en-US" dirty="0">
-                <a:solidFill>
-                  <a:schemeClr val="bg2">
-                    <a:lumMod val="25000"/>
-                    <a:lumOff val="75000"/>
-                  </a:schemeClr>
-                </a:solidFill>
-                <a:effectLst>
-                  <a:outerShdw blurRad="38100" dist="38100" dir="2700000" algn="tl">
-                    <a:srgbClr val="000000">
-                      <a:alpha val="43137"/>
-                    </a:srgbClr>
-                  </a:outerShdw>
-                </a:effectLst>
-              </a:rPr>
-              <a:t> </a:t>
-            </a:r>
-            <a:r>
-              <a:rPr lang="en-US" dirty="0" err="1">
-                <a:solidFill>
-                  <a:schemeClr val="bg2">
-                    <a:lumMod val="25000"/>
-                    <a:lumOff val="75000"/>
-                  </a:schemeClr>
-                </a:solidFill>
-                <a:effectLst>
-                  <a:outerShdw blurRad="38100" dist="38100" dir="2700000" algn="tl">
-                    <a:srgbClr val="000000">
-                      <a:alpha val="43137"/>
-                    </a:srgbClr>
-                  </a:outerShdw>
-                </a:effectLst>
-              </a:rPr>
-              <a:t>gentests</a:t>
-            </a:r>
-            <a:r>
-              <a:rPr lang="en-US" dirty="0">
-                <a:solidFill>
-                  <a:schemeClr val="bg2">
-                    <a:lumMod val="25000"/>
-                    <a:lumOff val="75000"/>
-                  </a:schemeClr>
-                </a:solidFill>
-                <a:effectLst>
-                  <a:outerShdw blurRad="38100" dist="38100" dir="2700000" algn="tl">
-                    <a:srgbClr val="000000">
-                      <a:alpha val="43137"/>
-                    </a:srgbClr>
-                  </a:outerShdw>
-                </a:effectLst>
-              </a:rPr>
-              <a:t> --</a:t>
-            </a:r>
-            <a:r>
-              <a:rPr lang="en-US" dirty="0" err="1">
-                <a:solidFill>
-                  <a:schemeClr val="bg2">
-                    <a:lumMod val="25000"/>
-                    <a:lumOff val="75000"/>
-                  </a:schemeClr>
-                </a:solidFill>
-                <a:effectLst>
-                  <a:outerShdw blurRad="38100" dist="38100" dir="2700000" algn="tl">
-                    <a:srgbClr val="000000">
-                      <a:alpha val="43137"/>
-                    </a:srgbClr>
-                  </a:outerShdw>
-                </a:effectLst>
-              </a:rPr>
-              <a:t>testclass</a:t>
-            </a:r>
-            <a:r>
-              <a:rPr lang="en-US" dirty="0">
-                <a:solidFill>
-                  <a:schemeClr val="bg2">
-                    <a:lumMod val="25000"/>
-                    <a:lumOff val="75000"/>
-                  </a:schemeClr>
-                </a:solidFill>
-                <a:effectLst>
-                  <a:outerShdw blurRad="38100" dist="38100" dir="2700000" algn="tl">
-                    <a:srgbClr val="000000">
-                      <a:alpha val="43137"/>
-                    </a:srgbClr>
-                  </a:outerShdw>
-                </a:effectLst>
-              </a:rPr>
-              <a:t>=</a:t>
-            </a:r>
-            <a:r>
-              <a:rPr lang="en-US" dirty="0" err="1">
-                <a:solidFill>
-                  <a:schemeClr val="bg2">
-                    <a:lumMod val="25000"/>
-                    <a:lumOff val="75000"/>
-                  </a:schemeClr>
-                </a:solidFill>
-                <a:effectLst>
-                  <a:outerShdw blurRad="38100" dist="38100" dir="2700000" algn="tl">
-                    <a:srgbClr val="000000">
-                      <a:alpha val="43137"/>
-                    </a:srgbClr>
-                  </a:outerShdw>
-                </a:effectLst>
-              </a:rPr>
-              <a:t>guessapp.GuessLogic</a:t>
-            </a:r>
+            <a:pPr lvl="1"/>
             <a:endParaRPr lang="en-US" dirty="0">
               <a:solidFill>
                 <a:schemeClr val="bg2">
@@ -9885,21 +9702,381 @@
                   <a:lumOff val="75000"/>
                 </a:schemeClr>
               </a:solidFill>
-              <a:effectLst>
-                <a:outerShdw blurRad="38100" dist="38100" dir="2700000" algn="tl">
-                  <a:srgbClr val="000000">
-                    <a:alpha val="43137"/>
-                  </a:srgbClr>
-                </a:outerShdw>
-              </a:effectLst>
             </a:endParaRPr>
+          </a:p>
+          <a:p>
+            <a:pPr lvl="1"/>
+            <a:r>
+              <a:rPr lang="en-US" b="1" dirty="0">
+                <a:solidFill>
+                  <a:schemeClr val="bg2">
+                    <a:lumMod val="25000"/>
+                    <a:lumOff val="75000"/>
+                  </a:schemeClr>
+                </a:solidFill>
+              </a:rPr>
+              <a:t>--</a:t>
+            </a:r>
+            <a:r>
+              <a:rPr lang="en-US" b="1" dirty="0" err="1">
+                <a:solidFill>
+                  <a:schemeClr val="bg2">
+                    <a:lumMod val="25000"/>
+                    <a:lumOff val="75000"/>
+                  </a:schemeClr>
+                </a:solidFill>
+              </a:rPr>
+              <a:t>npe</a:t>
+            </a:r>
+            <a:r>
+              <a:rPr lang="en-US" b="1" dirty="0">
+                <a:solidFill>
+                  <a:schemeClr val="bg2">
+                    <a:lumMod val="25000"/>
+                    <a:lumOff val="75000"/>
+                  </a:schemeClr>
+                </a:solidFill>
+              </a:rPr>
+              <a:t>-on-null-input=&lt;</a:t>
+            </a:r>
+            <a:r>
+              <a:rPr lang="en-US" i="1" dirty="0" err="1">
+                <a:solidFill>
+                  <a:schemeClr val="bg2">
+                    <a:lumMod val="25000"/>
+                    <a:lumOff val="75000"/>
+                  </a:schemeClr>
+                </a:solidFill>
+              </a:rPr>
+              <a:t>enum</a:t>
+            </a:r>
+            <a:r>
+              <a:rPr lang="en-US" i="1" dirty="0">
+                <a:solidFill>
+                  <a:schemeClr val="bg2">
+                    <a:lumMod val="25000"/>
+                    <a:lumOff val="75000"/>
+                  </a:schemeClr>
+                </a:solidFill>
+              </a:rPr>
+              <a:t>&gt; </a:t>
+            </a:r>
+            <a:r>
+              <a:rPr lang="en-US" i="1" dirty="0"/>
+              <a:t>-</a:t>
+            </a:r>
+            <a:r>
+              <a:rPr lang="en-US" dirty="0"/>
+              <a:t>Expectation for a </a:t>
+            </a:r>
+            <a:r>
+              <a:rPr lang="en-US" dirty="0" err="1"/>
+              <a:t>NullPointer</a:t>
+            </a:r>
+            <a:r>
+              <a:rPr lang="en-US" dirty="0"/>
+              <a:t> Exception</a:t>
+            </a:r>
+          </a:p>
+          <a:p>
+            <a:pPr marL="231775" lvl="1" indent="0">
+              <a:buNone/>
+            </a:pPr>
+            <a:endParaRPr lang="en-US" dirty="0"/>
+          </a:p>
+          <a:p>
+            <a:pPr lvl="1"/>
+            <a:r>
+              <a:rPr lang="en-US" b="1" dirty="0">
+                <a:solidFill>
+                  <a:schemeClr val="bg2">
+                    <a:lumMod val="25000"/>
+                    <a:lumOff val="75000"/>
+                  </a:schemeClr>
+                </a:solidFill>
+              </a:rPr>
+              <a:t>--</a:t>
+            </a:r>
+            <a:r>
+              <a:rPr lang="en-US" b="1" dirty="0" err="1">
+                <a:solidFill>
+                  <a:schemeClr val="bg2">
+                    <a:lumMod val="25000"/>
+                    <a:lumOff val="75000"/>
+                  </a:schemeClr>
+                </a:solidFill>
+              </a:rPr>
+              <a:t>oom</a:t>
+            </a:r>
+            <a:r>
+              <a:rPr lang="en-US" b="1" dirty="0">
+                <a:solidFill>
+                  <a:schemeClr val="bg2">
+                    <a:lumMod val="25000"/>
+                    <a:lumOff val="75000"/>
+                  </a:schemeClr>
+                </a:solidFill>
+              </a:rPr>
+              <a:t>-exception=&lt;</a:t>
+            </a:r>
+            <a:r>
+              <a:rPr lang="en-US" i="1" dirty="0" err="1">
+                <a:solidFill>
+                  <a:schemeClr val="bg2">
+                    <a:lumMod val="25000"/>
+                    <a:lumOff val="75000"/>
+                  </a:schemeClr>
+                </a:solidFill>
+              </a:rPr>
+              <a:t>enum</a:t>
+            </a:r>
+            <a:r>
+              <a:rPr lang="en-US" i="1" dirty="0">
+                <a:solidFill>
+                  <a:schemeClr val="bg2">
+                    <a:lumMod val="25000"/>
+                    <a:lumOff val="75000"/>
+                  </a:schemeClr>
+                </a:solidFill>
+              </a:rPr>
+              <a:t>&gt; </a:t>
+            </a:r>
+            <a:r>
+              <a:rPr lang="en-US" i="1" dirty="0"/>
+              <a:t>-</a:t>
+            </a:r>
+            <a:r>
+              <a:rPr lang="en-US" dirty="0"/>
+              <a:t>Expectation for an </a:t>
+            </a:r>
+            <a:r>
+              <a:rPr lang="en-US" dirty="0" err="1"/>
+              <a:t>OutOfMemory</a:t>
+            </a:r>
+            <a:r>
+              <a:rPr lang="en-US" dirty="0"/>
+              <a:t> Exception</a:t>
+            </a:r>
+          </a:p>
+          <a:p>
+            <a:pPr lvl="1"/>
+            <a:endParaRPr lang="en-US" b="1" i="1" dirty="0"/>
+          </a:p>
+          <a:p>
+            <a:pPr lvl="1"/>
+            <a:r>
+              <a:rPr lang="en-US" b="1" dirty="0">
+                <a:solidFill>
+                  <a:schemeClr val="bg2">
+                    <a:lumMod val="25000"/>
+                    <a:lumOff val="75000"/>
+                  </a:schemeClr>
+                </a:solidFill>
+              </a:rPr>
+              <a:t>--</a:t>
+            </a:r>
+            <a:r>
+              <a:rPr lang="en-US" b="1" dirty="0" err="1">
+                <a:solidFill>
+                  <a:schemeClr val="bg2">
+                    <a:lumMod val="25000"/>
+                    <a:lumOff val="75000"/>
+                  </a:schemeClr>
+                </a:solidFill>
+              </a:rPr>
+              <a:t>sof</a:t>
+            </a:r>
+            <a:r>
+              <a:rPr lang="en-US" b="1" dirty="0">
+                <a:solidFill>
+                  <a:schemeClr val="bg2">
+                    <a:lumMod val="25000"/>
+                    <a:lumOff val="75000"/>
+                  </a:schemeClr>
+                </a:solidFill>
+              </a:rPr>
+              <a:t>-exception=&lt;</a:t>
+            </a:r>
+            <a:r>
+              <a:rPr lang="en-US" i="1" dirty="0" err="1">
+                <a:solidFill>
+                  <a:schemeClr val="bg2">
+                    <a:lumMod val="25000"/>
+                    <a:lumOff val="75000"/>
+                  </a:schemeClr>
+                </a:solidFill>
+              </a:rPr>
+              <a:t>enum</a:t>
+            </a:r>
+            <a:r>
+              <a:rPr lang="en-US" i="1" dirty="0">
+                <a:solidFill>
+                  <a:schemeClr val="bg2">
+                    <a:lumMod val="25000"/>
+                    <a:lumOff val="75000"/>
+                  </a:schemeClr>
+                </a:solidFill>
+              </a:rPr>
+              <a:t>&gt; </a:t>
+            </a:r>
+            <a:r>
+              <a:rPr lang="en-US" i="1" dirty="0"/>
+              <a:t>-</a:t>
+            </a:r>
+            <a:r>
+              <a:rPr lang="en-US" dirty="0"/>
+              <a:t>Expectation for a </a:t>
+            </a:r>
+            <a:r>
+              <a:rPr lang="en-US" dirty="0" err="1"/>
+              <a:t>StackOverflow</a:t>
+            </a:r>
+            <a:r>
+              <a:rPr lang="en-US" dirty="0"/>
+              <a:t> Exception</a:t>
+            </a:r>
+          </a:p>
+          <a:p>
+            <a:pPr lvl="1"/>
+            <a:endParaRPr lang="en-US" i="1" dirty="0"/>
+          </a:p>
+          <a:p>
+            <a:pPr lvl="2"/>
+            <a:r>
+              <a:rPr lang="en-US" i="1" dirty="0" err="1"/>
+              <a:t>Enum</a:t>
+            </a:r>
+            <a:r>
+              <a:rPr lang="en-US" i="1" dirty="0"/>
+              <a:t> values:</a:t>
+            </a:r>
+            <a:br>
+              <a:rPr lang="en-US" i="1" dirty="0"/>
+            </a:br>
+            <a:endParaRPr lang="en-US" i="1" dirty="0"/>
+          </a:p>
+          <a:p>
+            <a:pPr marL="463550" lvl="2" indent="0">
+              <a:buNone/>
+            </a:pPr>
+            <a:r>
+              <a:rPr lang="en-US" b="1" dirty="0">
+                <a:solidFill>
+                  <a:schemeClr val="bg2">
+                    <a:lumMod val="25000"/>
+                    <a:lumOff val="75000"/>
+                  </a:schemeClr>
+                </a:solidFill>
+              </a:rPr>
+              <a:t>    -ERROR</a:t>
+            </a:r>
+            <a:r>
+              <a:rPr lang="en-US" dirty="0">
+                <a:solidFill>
+                  <a:schemeClr val="bg2">
+                    <a:lumMod val="25000"/>
+                    <a:lumOff val="75000"/>
+                  </a:schemeClr>
+                </a:solidFill>
+              </a:rPr>
+              <a:t> </a:t>
+            </a:r>
+            <a:r>
+              <a:rPr lang="en-US" dirty="0"/>
+              <a:t>Occurrence of exception reveals an error </a:t>
+            </a:r>
+          </a:p>
+          <a:p>
+            <a:pPr marL="463550" lvl="2" indent="0">
+              <a:buNone/>
+            </a:pPr>
+            <a:r>
+              <a:rPr lang="en-US" b="1" dirty="0">
+                <a:solidFill>
+                  <a:schemeClr val="bg2">
+                    <a:lumMod val="25000"/>
+                    <a:lumOff val="75000"/>
+                  </a:schemeClr>
+                </a:solidFill>
+              </a:rPr>
+              <a:t>    -EXPECTED</a:t>
+            </a:r>
+            <a:r>
+              <a:rPr lang="en-US" dirty="0">
+                <a:solidFill>
+                  <a:schemeClr val="bg2">
+                    <a:lumMod val="25000"/>
+                    <a:lumOff val="75000"/>
+                  </a:schemeClr>
+                </a:solidFill>
+              </a:rPr>
+              <a:t> </a:t>
+            </a:r>
+            <a:r>
+              <a:rPr lang="en-US" dirty="0"/>
+              <a:t>Occurrence of exception is expected behavior </a:t>
+            </a:r>
+          </a:p>
+          <a:p>
+            <a:pPr marL="463550" lvl="2" indent="0">
+              <a:buNone/>
+            </a:pPr>
+            <a:r>
+              <a:rPr lang="en-US" b="1" dirty="0">
+                <a:solidFill>
+                  <a:schemeClr val="bg2">
+                    <a:lumMod val="25000"/>
+                    <a:lumOff val="75000"/>
+                  </a:schemeClr>
+                </a:solidFill>
+              </a:rPr>
+              <a:t>    -INVALID</a:t>
+            </a:r>
+            <a:r>
+              <a:rPr lang="en-US" dirty="0">
+                <a:solidFill>
+                  <a:schemeClr val="bg2">
+                    <a:lumMod val="25000"/>
+                    <a:lumOff val="75000"/>
+                  </a:schemeClr>
+                </a:solidFill>
+              </a:rPr>
+              <a:t> </a:t>
+            </a:r>
+            <a:r>
+              <a:rPr lang="en-US" dirty="0"/>
+              <a:t>Occurrence of exception indicates an invalid test </a:t>
+            </a:r>
+          </a:p>
+          <a:p>
+            <a:pPr lvl="1"/>
+            <a:endParaRPr lang="en-US" i="1" dirty="0"/>
+          </a:p>
+          <a:p>
+            <a:pPr marL="231775" lvl="1" indent="0">
+              <a:buNone/>
+            </a:pPr>
+            <a:endParaRPr lang="en-US" i="1" dirty="0"/>
+          </a:p>
+          <a:p>
+            <a:pPr marL="231775" lvl="1" indent="0">
+              <a:buNone/>
+            </a:pPr>
+            <a:endParaRPr lang="en-US" dirty="0"/>
+          </a:p>
+          <a:p>
+            <a:pPr lvl="1"/>
+            <a:endParaRPr lang="en-US" dirty="0"/>
+          </a:p>
+          <a:p>
+            <a:endParaRPr lang="en-US" dirty="0"/>
           </a:p>
         </p:txBody>
       </p:sp>
     </p:spTree>
     <p:extLst>
       <p:ext uri="{BB962C8B-B14F-4D97-AF65-F5344CB8AC3E}">
-        <p14:creationId xmlns:p14="http://schemas.microsoft.com/office/powerpoint/2010/main" val="2439621694"/>
+        <p14:creationId xmlns:p14="http://schemas.microsoft.com/office/powerpoint/2010/main" val="2631182514"/>
       </p:ext>
     </p:extLst>
   </p:cSld>
@@ -9951,7 +10128,7 @@
         <p:spPr>
           <a:xfrm>
             <a:off x="912812" y="0"/>
-            <a:ext cx="9144001" cy="857511"/>
+            <a:ext cx="9144001" cy="838200"/>
           </a:xfrm>
         </p:spPr>
         <p:txBody>
@@ -9987,8 +10164,8 @@
         </p:nvSpPr>
         <p:spPr>
           <a:xfrm>
-            <a:off x="5865812" y="1143000"/>
-            <a:ext cx="5257800" cy="5029200"/>
+            <a:off x="760412" y="1447800"/>
+            <a:ext cx="10744199" cy="5029200"/>
           </a:xfrm>
         </p:spPr>
         <p:txBody>
@@ -10001,162 +10178,7 @@
               <a:buNone/>
             </a:pPr>
             <a:r>
-              <a:rPr lang="en-US" dirty="0"/>
-              <a:t>The first thing Randoop did was generate test inputs for each of the test files. By the end, Randoop had generated:</a:t>
-            </a:r>
-          </a:p>
-          <a:p>
-            <a:r>
-              <a:rPr lang="en-US" sz="2000" dirty="0"/>
-              <a:t> 1016988 normal method executions </a:t>
-            </a:r>
-          </a:p>
-          <a:p>
-            <a:r>
-              <a:rPr lang="en-US" sz="2000" dirty="0"/>
-              <a:t>6748 exceptional method executions. </a:t>
-            </a:r>
-          </a:p>
-          <a:p>
-            <a:r>
-              <a:rPr lang="en-US" sz="2000" dirty="0"/>
-              <a:t>The average method execution time for normal termination was 0.0901 </a:t>
-            </a:r>
-          </a:p>
-          <a:p>
-            <a:r>
-              <a:rPr lang="en-US" sz="2000" dirty="0"/>
-              <a:t>Average method execution time for exceptional termination was 0.101. </a:t>
-            </a:r>
-          </a:p>
-          <a:p>
-            <a:r>
-              <a:rPr lang="en-US" sz="2000" dirty="0"/>
-              <a:t>Number of regression tests created was 35028</a:t>
-            </a:r>
-          </a:p>
-        </p:txBody>
-      </p:sp>
-      <p:pic>
-        <p:nvPicPr>
-          <p:cNvPr id="2052" name="Picture 4" descr="Use_Case_1_3"/>
-          <p:cNvPicPr>
-            <a:picLocks noChangeAspect="1" noChangeArrowheads="1"/>
-          </p:cNvPicPr>
-          <p:nvPr/>
-        </p:nvPicPr>
-        <p:blipFill>
-          <a:blip r:embed="rId2">
-            <a:extLst>
-              <a:ext uri="{28A0092B-C50C-407E-A947-70E740481C1C}">
-                <a14:useLocalDpi xmlns:a14="http://schemas.microsoft.com/office/drawing/2010/main" val="0"/>
-              </a:ext>
-            </a:extLst>
-          </a:blip>
-          <a:srcRect/>
-          <a:stretch>
-            <a:fillRect/>
-          </a:stretch>
-        </p:blipFill>
-        <p:spPr bwMode="auto">
-          <a:xfrm>
-            <a:off x="283254" y="1126354"/>
-            <a:ext cx="5091659" cy="3217046"/>
-          </a:xfrm>
-          <a:prstGeom prst="rect">
-            <a:avLst/>
-          </a:prstGeom>
-          <a:noFill/>
-          <a:extLst>
-            <a:ext uri="{909E8E84-426E-40DD-AFC4-6F175D3DCCD1}">
-              <a14:hiddenFill xmlns:a14="http://schemas.microsoft.com/office/drawing/2010/main">
-                <a:solidFill>
-                  <a:srgbClr val="FFFFFF"/>
-                </a:solidFill>
-              </a14:hiddenFill>
-            </a:ext>
-          </a:extLst>
-        </p:spPr>
-      </p:pic>
-      <p:pic>
-        <p:nvPicPr>
-          <p:cNvPr id="2054" name="Picture 6" descr="Use_Case_1_2"/>
-          <p:cNvPicPr>
-            <a:picLocks noChangeAspect="1" noChangeArrowheads="1"/>
-          </p:cNvPicPr>
-          <p:nvPr/>
-        </p:nvPicPr>
-        <p:blipFill>
-          <a:blip r:embed="rId3">
-            <a:extLst>
-              <a:ext uri="{28A0092B-C50C-407E-A947-70E740481C1C}">
-                <a14:useLocalDpi xmlns:a14="http://schemas.microsoft.com/office/drawing/2010/main" val="0"/>
-              </a:ext>
-            </a:extLst>
-          </a:blip>
-          <a:srcRect/>
-          <a:stretch>
-            <a:fillRect/>
-          </a:stretch>
-        </p:blipFill>
-        <p:spPr bwMode="auto">
-          <a:xfrm>
-            <a:off x="283254" y="3370541"/>
-            <a:ext cx="5091659" cy="3217046"/>
-          </a:xfrm>
-          <a:prstGeom prst="rect">
-            <a:avLst/>
-          </a:prstGeom>
-          <a:noFill/>
-          <a:extLst>
-            <a:ext uri="{909E8E84-426E-40DD-AFC4-6F175D3DCCD1}">
-              <a14:hiddenFill xmlns:a14="http://schemas.microsoft.com/office/drawing/2010/main">
-                <a:solidFill>
-                  <a:srgbClr val="FFFFFF"/>
-                </a:solidFill>
-              </a14:hiddenFill>
-            </a:ext>
-          </a:extLst>
-        </p:spPr>
-      </p:pic>
-      <p:sp>
-        <p:nvSpPr>
-          <p:cNvPr id="8" name="Rectangle: Rounded Corners 7"/>
-          <p:cNvSpPr/>
-          <p:nvPr/>
-        </p:nvSpPr>
-        <p:spPr>
-          <a:xfrm>
-            <a:off x="121267" y="3329473"/>
-            <a:ext cx="5334000" cy="328127"/>
-          </a:xfrm>
-          <a:prstGeom prst="roundRect">
-            <a:avLst/>
-          </a:prstGeom>
-        </p:spPr>
-        <p:style>
-          <a:lnRef idx="2">
-            <a:schemeClr val="accent1">
-              <a:shade val="50000"/>
-            </a:schemeClr>
-          </a:lnRef>
-          <a:fillRef idx="1">
-            <a:schemeClr val="accent1"/>
-          </a:fillRef>
-          <a:effectRef idx="0">
-            <a:schemeClr val="accent1"/>
-          </a:effectRef>
-          <a:fontRef idx="minor">
-            <a:schemeClr val="lt1"/>
-          </a:fontRef>
-        </p:style>
-        <p:txBody>
-          <a:bodyPr rtlCol="0" anchor="ctr"/>
-          <a:lstStyle/>
-          <a:p>
-            <a:pPr algn="ctr"/>
-            <a:r>
-              <a:rPr lang="en-US" sz="2400" dirty="0">
+              <a:rPr lang="en-US" b="1" dirty="0" err="1">
                 <a:effectLst>
                   <a:outerShdw blurRad="38100" dist="38100" dir="2700000" algn="tl">
                     <a:srgbClr val="000000">
@@ -10165,15 +10187,316 @@
                   </a:outerShdw>
                 </a:effectLst>
               </a:rPr>
-              <a:t>……</a:t>
-            </a:r>
+              <a:t>GuessApp</a:t>
+            </a:r>
+            <a:r>
+              <a:rPr lang="en-US" dirty="0">
+                <a:effectLst>
+                  <a:outerShdw blurRad="38100" dist="38100" dir="2700000" algn="tl">
+                    <a:srgbClr val="000000">
+                      <a:alpha val="43137"/>
+                    </a:srgbClr>
+                  </a:outerShdw>
+                </a:effectLst>
+              </a:rPr>
+              <a:t>  :  a simple game that generates a random number between 1 and 10 and records how long it takes for the user to guess the correct number. </a:t>
+            </a:r>
+          </a:p>
+          <a:p>
+            <a:pPr marL="0" indent="0">
+              <a:buNone/>
+            </a:pPr>
+            <a:r>
+              <a:rPr lang="en-US" dirty="0">
+                <a:effectLst>
+                  <a:outerShdw blurRad="38100" dist="38100" dir="2700000" algn="tl">
+                    <a:srgbClr val="000000">
+                      <a:alpha val="43137"/>
+                    </a:srgbClr>
+                  </a:outerShdw>
+                </a:effectLst>
+              </a:rPr>
+              <a:t>The first use case was run on the </a:t>
+            </a:r>
+            <a:r>
+              <a:rPr lang="en-US" dirty="0" err="1">
+                <a:effectLst>
+                  <a:outerShdw blurRad="38100" dist="38100" dir="2700000" algn="tl">
+                    <a:srgbClr val="000000">
+                      <a:alpha val="43137"/>
+                    </a:srgbClr>
+                  </a:outerShdw>
+                </a:effectLst>
+              </a:rPr>
+              <a:t>GuessLogic</a:t>
+            </a:r>
+            <a:r>
+              <a:rPr lang="en-US" dirty="0">
+                <a:effectLst>
+                  <a:outerShdw blurRad="38100" dist="38100" dir="2700000" algn="tl">
+                    <a:srgbClr val="000000">
+                      <a:alpha val="43137"/>
+                    </a:srgbClr>
+                  </a:outerShdw>
+                </a:effectLst>
+              </a:rPr>
+              <a:t> class in the </a:t>
+            </a:r>
+            <a:r>
+              <a:rPr lang="en-US" dirty="0" err="1">
+                <a:effectLst>
+                  <a:outerShdw blurRad="38100" dist="38100" dir="2700000" algn="tl">
+                    <a:srgbClr val="000000">
+                      <a:alpha val="43137"/>
+                    </a:srgbClr>
+                  </a:outerShdw>
+                </a:effectLst>
+              </a:rPr>
+              <a:t>GuessApp</a:t>
+            </a:r>
+            <a:r>
+              <a:rPr lang="en-US" dirty="0">
+                <a:effectLst>
+                  <a:outerShdw blurRad="38100" dist="38100" dir="2700000" algn="tl">
+                    <a:srgbClr val="000000">
+                      <a:alpha val="43137"/>
+                    </a:srgbClr>
+                  </a:outerShdw>
+                </a:effectLst>
+              </a:rPr>
+              <a:t> project. The command used to invoke Randoop on </a:t>
+            </a:r>
+            <a:r>
+              <a:rPr lang="en-US" dirty="0" err="1">
+                <a:effectLst>
+                  <a:outerShdw blurRad="38100" dist="38100" dir="2700000" algn="tl">
+                    <a:srgbClr val="000000">
+                      <a:alpha val="43137"/>
+                    </a:srgbClr>
+                  </a:outerShdw>
+                </a:effectLst>
+              </a:rPr>
+              <a:t>GuessLogic.class</a:t>
+            </a:r>
+            <a:r>
+              <a:rPr lang="en-US" dirty="0">
+                <a:effectLst>
+                  <a:outerShdw blurRad="38100" dist="38100" dir="2700000" algn="tl">
+                    <a:srgbClr val="000000">
+                      <a:alpha val="43137"/>
+                    </a:srgbClr>
+                  </a:outerShdw>
+                </a:effectLst>
+              </a:rPr>
+              <a:t> is listed below:</a:t>
+            </a:r>
+          </a:p>
+          <a:p>
+            <a:pPr marL="0" indent="0">
+              <a:buNone/>
+            </a:pPr>
+            <a:r>
+              <a:rPr lang="en-US" dirty="0">
+                <a:solidFill>
+                  <a:schemeClr val="bg2">
+                    <a:lumMod val="25000"/>
+                    <a:lumOff val="75000"/>
+                  </a:schemeClr>
+                </a:solidFill>
+                <a:effectLst>
+                  <a:outerShdw blurRad="38100" dist="38100" dir="2700000" algn="tl">
+                    <a:srgbClr val="000000">
+                      <a:alpha val="43137"/>
+                    </a:srgbClr>
+                  </a:outerShdw>
+                </a:effectLst>
+              </a:rPr>
+              <a:t>java -</a:t>
+            </a:r>
+            <a:r>
+              <a:rPr lang="en-US" dirty="0" err="1">
+                <a:solidFill>
+                  <a:schemeClr val="bg2">
+                    <a:lumMod val="25000"/>
+                    <a:lumOff val="75000"/>
+                  </a:schemeClr>
+                </a:solidFill>
+                <a:effectLst>
+                  <a:outerShdw blurRad="38100" dist="38100" dir="2700000" algn="tl">
+                    <a:srgbClr val="000000">
+                      <a:alpha val="43137"/>
+                    </a:srgbClr>
+                  </a:outerShdw>
+                </a:effectLst>
+              </a:rPr>
+              <a:t>classpath</a:t>
+            </a:r>
+            <a:r>
+              <a:rPr lang="en-US" dirty="0">
+                <a:solidFill>
+                  <a:schemeClr val="bg2">
+                    <a:lumMod val="25000"/>
+                    <a:lumOff val="75000"/>
+                  </a:schemeClr>
+                </a:solidFill>
+                <a:effectLst>
+                  <a:outerShdw blurRad="38100" dist="38100" dir="2700000" algn="tl">
+                    <a:srgbClr val="000000">
+                      <a:alpha val="43137"/>
+                    </a:srgbClr>
+                  </a:outerShdw>
+                </a:effectLst>
+              </a:rPr>
+              <a:t> C:\randoop-3.0.10\randoop-all-3.0.10.jar;GuessApp\build\classes </a:t>
+            </a:r>
+            <a:r>
+              <a:rPr lang="en-US" dirty="0" err="1">
+                <a:solidFill>
+                  <a:schemeClr val="bg2">
+                    <a:lumMod val="25000"/>
+                    <a:lumOff val="75000"/>
+                  </a:schemeClr>
+                </a:solidFill>
+                <a:effectLst>
+                  <a:outerShdw blurRad="38100" dist="38100" dir="2700000" algn="tl">
+                    <a:srgbClr val="000000">
+                      <a:alpha val="43137"/>
+                    </a:srgbClr>
+                  </a:outerShdw>
+                </a:effectLst>
+              </a:rPr>
+              <a:t>randoop.main.Main</a:t>
+            </a:r>
+            <a:r>
+              <a:rPr lang="en-US" dirty="0">
+                <a:solidFill>
+                  <a:schemeClr val="bg2">
+                    <a:lumMod val="25000"/>
+                    <a:lumOff val="75000"/>
+                  </a:schemeClr>
+                </a:solidFill>
+                <a:effectLst>
+                  <a:outerShdw blurRad="38100" dist="38100" dir="2700000" algn="tl">
+                    <a:srgbClr val="000000">
+                      <a:alpha val="43137"/>
+                    </a:srgbClr>
+                  </a:outerShdw>
+                </a:effectLst>
+              </a:rPr>
+              <a:t> </a:t>
+            </a:r>
+            <a:r>
+              <a:rPr lang="en-US" dirty="0" err="1">
+                <a:solidFill>
+                  <a:schemeClr val="bg2">
+                    <a:lumMod val="25000"/>
+                    <a:lumOff val="75000"/>
+                  </a:schemeClr>
+                </a:solidFill>
+                <a:effectLst>
+                  <a:outerShdw blurRad="38100" dist="38100" dir="2700000" algn="tl">
+                    <a:srgbClr val="000000">
+                      <a:alpha val="43137"/>
+                    </a:srgbClr>
+                  </a:outerShdw>
+                </a:effectLst>
+              </a:rPr>
+              <a:t>gentests</a:t>
+            </a:r>
+            <a:r>
+              <a:rPr lang="en-US" dirty="0">
+                <a:solidFill>
+                  <a:schemeClr val="bg2">
+                    <a:lumMod val="25000"/>
+                    <a:lumOff val="75000"/>
+                  </a:schemeClr>
+                </a:solidFill>
+                <a:effectLst>
+                  <a:outerShdw blurRad="38100" dist="38100" dir="2700000" algn="tl">
+                    <a:srgbClr val="000000">
+                      <a:alpha val="43137"/>
+                    </a:srgbClr>
+                  </a:outerShdw>
+                </a:effectLst>
+              </a:rPr>
+              <a:t> --</a:t>
+            </a:r>
+            <a:r>
+              <a:rPr lang="en-US" dirty="0" err="1">
+                <a:solidFill>
+                  <a:schemeClr val="bg2">
+                    <a:lumMod val="25000"/>
+                    <a:lumOff val="75000"/>
+                  </a:schemeClr>
+                </a:solidFill>
+                <a:effectLst>
+                  <a:outerShdw blurRad="38100" dist="38100" dir="2700000" algn="tl">
+                    <a:srgbClr val="000000">
+                      <a:alpha val="43137"/>
+                    </a:srgbClr>
+                  </a:outerShdw>
+                </a:effectLst>
+              </a:rPr>
+              <a:t>testclass</a:t>
+            </a:r>
+            <a:r>
+              <a:rPr lang="en-US" dirty="0">
+                <a:solidFill>
+                  <a:schemeClr val="bg2">
+                    <a:lumMod val="25000"/>
+                    <a:lumOff val="75000"/>
+                  </a:schemeClr>
+                </a:solidFill>
+                <a:effectLst>
+                  <a:outerShdw blurRad="38100" dist="38100" dir="2700000" algn="tl">
+                    <a:srgbClr val="000000">
+                      <a:alpha val="43137"/>
+                    </a:srgbClr>
+                  </a:outerShdw>
+                </a:effectLst>
+              </a:rPr>
+              <a:t>=</a:t>
+            </a:r>
+            <a:r>
+              <a:rPr lang="en-US" dirty="0" err="1">
+                <a:solidFill>
+                  <a:schemeClr val="bg2">
+                    <a:lumMod val="25000"/>
+                    <a:lumOff val="75000"/>
+                  </a:schemeClr>
+                </a:solidFill>
+                <a:effectLst>
+                  <a:outerShdw blurRad="38100" dist="38100" dir="2700000" algn="tl">
+                    <a:srgbClr val="000000">
+                      <a:alpha val="43137"/>
+                    </a:srgbClr>
+                  </a:outerShdw>
+                </a:effectLst>
+              </a:rPr>
+              <a:t>guessapp.GuessLogic</a:t>
+            </a:r>
+            <a:endParaRPr lang="en-US" dirty="0">
+              <a:solidFill>
+                <a:schemeClr val="bg2">
+                  <a:lumMod val="25000"/>
+                  <a:lumOff val="75000"/>
+                </a:schemeClr>
+              </a:solidFill>
+              <a:effectLst>
+                <a:outerShdw blurRad="38100" dist="38100" dir="2700000" algn="tl">
+                  <a:srgbClr val="000000">
+                    <a:alpha val="43137"/>
+                  </a:srgbClr>
+                </a:outerShdw>
+              </a:effectLst>
+            </a:endParaRPr>
           </a:p>
         </p:txBody>
       </p:sp>
     </p:spTree>
     <p:extLst>
       <p:ext uri="{BB962C8B-B14F-4D97-AF65-F5344CB8AC3E}">
-        <p14:creationId xmlns:p14="http://schemas.microsoft.com/office/powerpoint/2010/main" val="2892346024"/>
+        <p14:creationId xmlns:p14="http://schemas.microsoft.com/office/powerpoint/2010/main" val="2439621694"/>
       </p:ext>
     </p:extLst>
   </p:cSld>
@@ -10261,7 +10584,7 @@
         </p:nvSpPr>
         <p:spPr>
           <a:xfrm>
-            <a:off x="5942012" y="1143000"/>
+            <a:off x="5865812" y="1143000"/>
             <a:ext cx="5257800" cy="5029200"/>
           </a:xfrm>
         </p:spPr>
@@ -10276,68 +10599,178 @@
             </a:pPr>
             <a:r>
               <a:rPr lang="en-US" dirty="0"/>
-              <a:t>Randoop generate 71 test files and placed them in the bin folder of the </a:t>
-            </a:r>
-            <a:r>
-              <a:rPr lang="en-US" dirty="0" err="1"/>
-              <a:t>GuessApp</a:t>
-            </a:r>
-            <a:r>
-              <a:rPr lang="en-US" dirty="0"/>
-              <a:t> project.</a:t>
-            </a:r>
-          </a:p>
-          <a:p>
-            <a:pPr marL="0" indent="0">
-              <a:buNone/>
-            </a:pPr>
-            <a:r>
-              <a:rPr lang="en-US" dirty="0"/>
-              <a:t>RegressionTest.java invokes the series of other number regression files using </a:t>
-            </a:r>
-            <a:r>
-              <a:rPr lang="en-US" b="1" dirty="0"/>
-              <a:t>@</a:t>
-            </a:r>
-            <a:r>
-              <a:rPr lang="en-US" b="1" dirty="0" err="1"/>
-              <a:t>Runwith</a:t>
-            </a:r>
-            <a:r>
-              <a:rPr lang="en-US" dirty="0"/>
-              <a:t> annotation .</a:t>
+              <a:t>The first thing Randoop did was generate test inputs for each of the test files. By the end, Randoop had generated:</a:t>
+            </a:r>
+          </a:p>
+          <a:p>
+            <a:r>
+              <a:rPr lang="en-US" sz="2000" dirty="0"/>
+              <a:t> 1016988 normal method executions </a:t>
+            </a:r>
+          </a:p>
+          <a:p>
+            <a:r>
+              <a:rPr lang="en-US" sz="2000" dirty="0"/>
+              <a:t>6748 exceptional method executions. </a:t>
+            </a:r>
+          </a:p>
+          <a:p>
+            <a:r>
+              <a:rPr lang="en-US" sz="2000" dirty="0"/>
+              <a:t>The average method execution time for normal termination was 0.0901 </a:t>
+            </a:r>
+          </a:p>
+          <a:p>
+            <a:r>
+              <a:rPr lang="en-US" sz="2000" dirty="0"/>
+              <a:t>Average method execution time for exceptional termination was 0.101. </a:t>
+            </a:r>
+          </a:p>
+          <a:p>
+            <a:r>
+              <a:rPr lang="en-US" sz="2000" dirty="0"/>
+              <a:t>Number of regression tests created was 35028</a:t>
             </a:r>
           </a:p>
         </p:txBody>
       </p:sp>
       <p:pic>
         <p:nvPicPr>
-          <p:cNvPr id="2" name="Picture 1"/>
+          <p:cNvPr id="2052" name="Picture 4" descr="Use_Case_1_3"/>
           <p:cNvPicPr>
-            <a:picLocks noChangeAspect="1"/>
+            <a:picLocks noChangeAspect="1" noChangeArrowheads="1"/>
           </p:cNvPicPr>
           <p:nvPr/>
         </p:nvPicPr>
         <p:blipFill>
-          <a:blip r:embed="rId2"/>
+          <a:blip r:embed="rId2">
+            <a:extLst>
+              <a:ext uri="{28A0092B-C50C-407E-A947-70E740481C1C}">
+                <a14:useLocalDpi xmlns:a14="http://schemas.microsoft.com/office/drawing/2010/main" val="0"/>
+              </a:ext>
+            </a:extLst>
+          </a:blip>
+          <a:srcRect/>
           <a:stretch>
             <a:fillRect/>
           </a:stretch>
         </p:blipFill>
-        <p:spPr>
+        <p:spPr bwMode="auto">
           <a:xfrm>
-            <a:off x="303212" y="1143000"/>
-            <a:ext cx="5127450" cy="3352800"/>
+            <a:off x="283254" y="1126354"/>
+            <a:ext cx="5091659" cy="3217046"/>
           </a:xfrm>
           <a:prstGeom prst="rect">
             <a:avLst/>
           </a:prstGeom>
+          <a:noFill/>
+          <a:extLst>
+            <a:ext uri="{909E8E84-426E-40DD-AFC4-6F175D3DCCD1}">
+              <a14:hiddenFill xmlns:a14="http://schemas.microsoft.com/office/drawing/2010/main">
+                <a:solidFill>
+                  <a:srgbClr val="FFFFFF"/>
+                </a:solidFill>
+              </a14:hiddenFill>
+            </a:ext>
+          </a:extLst>
         </p:spPr>
       </p:pic>
+      <p:pic>
+        <p:nvPicPr>
+          <p:cNvPr id="2054" name="Picture 6" descr="Use_Case_1_2"/>
+          <p:cNvPicPr>
+            <a:picLocks noChangeAspect="1" noChangeArrowheads="1"/>
+          </p:cNvPicPr>
+          <p:nvPr/>
+        </p:nvPicPr>
+        <p:blipFill>
+          <a:blip r:embed="rId3">
+            <a:extLst>
+              <a:ext uri="{28A0092B-C50C-407E-A947-70E740481C1C}">
+                <a14:useLocalDpi xmlns:a14="http://schemas.microsoft.com/office/drawing/2010/main" val="0"/>
+              </a:ext>
+            </a:extLst>
+          </a:blip>
+          <a:srcRect/>
+          <a:stretch>
+            <a:fillRect/>
+          </a:stretch>
+        </p:blipFill>
+        <p:spPr bwMode="auto">
+          <a:xfrm>
+            <a:off x="283254" y="3370541"/>
+            <a:ext cx="5091659" cy="3217046"/>
+          </a:xfrm>
+          <a:prstGeom prst="rect">
+            <a:avLst/>
+          </a:prstGeom>
+          <a:noFill/>
+          <a:extLst>
+            <a:ext uri="{909E8E84-426E-40DD-AFC4-6F175D3DCCD1}">
+              <a14:hiddenFill xmlns:a14="http://schemas.microsoft.com/office/drawing/2010/main">
+                <a:solidFill>
+                  <a:srgbClr val="FFFFFF"/>
+                </a:solidFill>
+              </a14:hiddenFill>
+            </a:ext>
+          </a:extLst>
+        </p:spPr>
+      </p:pic>
+      <p:sp>
+        <p:nvSpPr>
+          <p:cNvPr id="8" name="Rectangle: Rounded Corners 7"/>
+          <p:cNvSpPr/>
+          <p:nvPr/>
+        </p:nvSpPr>
+        <p:spPr>
+          <a:xfrm>
+            <a:off x="121267" y="3329473"/>
+            <a:ext cx="5334000" cy="328127"/>
+          </a:xfrm>
+          <a:prstGeom prst="roundRect">
+            <a:avLst/>
+          </a:prstGeom>
+        </p:spPr>
+        <p:style>
+          <a:lnRef idx="2">
+            <a:schemeClr val="accent1">
+              <a:shade val="50000"/>
+            </a:schemeClr>
+          </a:lnRef>
+          <a:fillRef idx="1">
+            <a:schemeClr val="accent1"/>
+          </a:fillRef>
+          <a:effectRef idx="0">
+            <a:schemeClr val="accent1"/>
+          </a:effectRef>
+          <a:fontRef idx="minor">
+            <a:schemeClr val="lt1"/>
+          </a:fontRef>
+        </p:style>
+        <p:txBody>
+          <a:bodyPr rtlCol="0" anchor="ctr"/>
+          <a:lstStyle/>
+          <a:p>
+            <a:pPr algn="ctr"/>
+            <a:r>
+              <a:rPr lang="en-US" sz="2400" dirty="0">
+                <a:effectLst>
+                  <a:outerShdw blurRad="38100" dist="38100" dir="2700000" algn="tl">
+                    <a:srgbClr val="000000">
+                      <a:alpha val="43137"/>
+                    </a:srgbClr>
+                  </a:outerShdw>
+                </a:effectLst>
+              </a:rPr>
+              <a:t>……</a:t>
+            </a:r>
+          </a:p>
+        </p:txBody>
+      </p:sp>
     </p:spTree>
     <p:extLst>
       <p:ext uri="{BB962C8B-B14F-4D97-AF65-F5344CB8AC3E}">
-        <p14:creationId xmlns:p14="http://schemas.microsoft.com/office/powerpoint/2010/main" val="3847421318"/>
+        <p14:creationId xmlns:p14="http://schemas.microsoft.com/office/powerpoint/2010/main" val="2892346024"/>
       </p:ext>
     </p:extLst>
   </p:cSld>
@@ -10425,7 +10858,7 @@
         </p:nvSpPr>
         <p:spPr>
           <a:xfrm>
-            <a:off x="5942012" y="1177212"/>
+            <a:off x="5942012" y="1143000"/>
             <a:ext cx="5257800" cy="5029200"/>
           </a:xfrm>
         </p:spPr>
@@ -10440,128 +10873,68 @@
             </a:pPr>
             <a:r>
               <a:rPr lang="en-US" dirty="0"/>
-              <a:t>The contents of the previously mentioned RegressionTest.java file.</a:t>
+              <a:t>Randoop generate 71 test files and placed them in the bin folder of the </a:t>
+            </a:r>
+            <a:r>
+              <a:rPr lang="en-US" dirty="0" err="1"/>
+              <a:t>GuessApp</a:t>
+            </a:r>
+            <a:r>
+              <a:rPr lang="en-US" dirty="0"/>
+              <a:t> project.</a:t>
+            </a:r>
+          </a:p>
+          <a:p>
+            <a:pPr marL="0" indent="0">
+              <a:buNone/>
+            </a:pPr>
+            <a:r>
+              <a:rPr lang="en-US" dirty="0"/>
+              <a:t>RegressionTest.java invokes the series of other number regression files using </a:t>
+            </a:r>
+            <a:r>
+              <a:rPr lang="en-US" b="1" dirty="0"/>
+              <a:t>@</a:t>
+            </a:r>
+            <a:r>
+              <a:rPr lang="en-US" b="1" dirty="0" err="1"/>
+              <a:t>Runwith</a:t>
+            </a:r>
+            <a:r>
+              <a:rPr lang="en-US" dirty="0"/>
+              <a:t> annotation .</a:t>
             </a:r>
           </a:p>
         </p:txBody>
       </p:sp>
       <p:pic>
         <p:nvPicPr>
-          <p:cNvPr id="5124" name="Picture 4" descr="Use_Case_1_5"/>
-          <p:cNvPicPr>
-            <a:picLocks noChangeAspect="1" noChangeArrowheads="1"/>
-          </p:cNvPicPr>
-          <p:nvPr/>
-        </p:nvPicPr>
-        <p:blipFill rotWithShape="1">
-          <a:blip r:embed="rId2">
-            <a:extLst>
-              <a:ext uri="{28A0092B-C50C-407E-A947-70E740481C1C}">
-                <a14:useLocalDpi xmlns:a14="http://schemas.microsoft.com/office/drawing/2010/main" val="0"/>
-              </a:ext>
-            </a:extLst>
-          </a:blip>
-          <a:srcRect t="1" r="543" b="41244"/>
-          <a:stretch/>
-        </p:blipFill>
-        <p:spPr bwMode="auto">
-          <a:xfrm>
-            <a:off x="379412" y="1205874"/>
-            <a:ext cx="4389120" cy="3200400"/>
-          </a:xfrm>
-          <a:prstGeom prst="rect">
-            <a:avLst/>
-          </a:prstGeom>
-          <a:noFill/>
-          <a:extLst>
-            <a:ext uri="{909E8E84-426E-40DD-AFC4-6F175D3DCCD1}">
-              <a14:hiddenFill xmlns:a14="http://schemas.microsoft.com/office/drawing/2010/main">
-                <a:solidFill>
-                  <a:srgbClr val="FFFFFF"/>
-                </a:solidFill>
-              </a14:hiddenFill>
-            </a:ext>
-          </a:extLst>
-        </p:spPr>
-      </p:pic>
-      <p:pic>
-        <p:nvPicPr>
-          <p:cNvPr id="3" name="Picture 2"/>
+          <p:cNvPr id="2" name="Picture 1"/>
           <p:cNvPicPr>
             <a:picLocks noChangeAspect="1"/>
           </p:cNvPicPr>
           <p:nvPr/>
         </p:nvPicPr>
-        <p:blipFill rotWithShape="1">
-          <a:blip r:embed="rId3"/>
-          <a:srcRect l="358" t="47271" r="358" b="1"/>
-          <a:stretch/>
+        <p:blipFill>
+          <a:blip r:embed="rId2"/>
+          <a:stretch>
+            <a:fillRect/>
+          </a:stretch>
         </p:blipFill>
         <p:spPr>
           <a:xfrm>
-            <a:off x="379412" y="3920412"/>
-            <a:ext cx="4389120" cy="2651760"/>
+            <a:off x="303212" y="1143000"/>
+            <a:ext cx="5127450" cy="3352800"/>
           </a:xfrm>
           <a:prstGeom prst="rect">
             <a:avLst/>
           </a:prstGeom>
         </p:spPr>
       </p:pic>
-      <p:sp>
-        <p:nvSpPr>
-          <p:cNvPr id="6" name="Rectangle: Rounded Corners 5"/>
-          <p:cNvSpPr/>
-          <p:nvPr/>
-        </p:nvSpPr>
-        <p:spPr>
-          <a:xfrm>
-            <a:off x="150812" y="3897084"/>
-            <a:ext cx="4800600" cy="328127"/>
-          </a:xfrm>
-          <a:prstGeom prst="roundRect">
-            <a:avLst/>
-          </a:prstGeom>
-        </p:spPr>
-        <p:style>
-          <a:lnRef idx="2">
-            <a:schemeClr val="accent1">
-              <a:shade val="50000"/>
-            </a:schemeClr>
-          </a:lnRef>
-          <a:fillRef idx="1">
-            <a:schemeClr val="accent1"/>
-          </a:fillRef>
-          <a:effectRef idx="0">
-            <a:schemeClr val="accent1"/>
-          </a:effectRef>
-          <a:fontRef idx="minor">
-            <a:schemeClr val="lt1"/>
-          </a:fontRef>
-        </p:style>
-        <p:txBody>
-          <a:bodyPr rtlCol="0" anchor="ctr"/>
-          <a:lstStyle/>
-          <a:p>
-            <a:pPr algn="ctr"/>
-            <a:r>
-              <a:rPr lang="en-US" sz="2400" dirty="0">
-                <a:effectLst>
-                  <a:outerShdw blurRad="38100" dist="38100" dir="2700000" algn="tl">
-                    <a:srgbClr val="000000">
-                      <a:alpha val="43137"/>
-                    </a:srgbClr>
-                  </a:outerShdw>
-                </a:effectLst>
-              </a:rPr>
-              <a:t>……</a:t>
-            </a:r>
-          </a:p>
-        </p:txBody>
-      </p:sp>
     </p:spTree>
     <p:extLst>
       <p:ext uri="{BB962C8B-B14F-4D97-AF65-F5344CB8AC3E}">
-        <p14:creationId xmlns:p14="http://schemas.microsoft.com/office/powerpoint/2010/main" val="98783954"/>
+        <p14:creationId xmlns:p14="http://schemas.microsoft.com/office/powerpoint/2010/main" val="3847421318"/>
       </p:ext>
     </p:extLst>
   </p:cSld>
@@ -11363,6 +11736,15 @@
 </file>
 
 <file path=customXml/item1.xml><?xml version="1.0" encoding="utf-8"?>
+<?mso-contentType ?>
+<FormTemplates xmlns="http://schemas.microsoft.com/sharepoint/v3/contenttype/forms">
+  <Display>DocumentLibraryForm</Display>
+  <Edit>AssetEditForm</Edit>
+  <New>DocumentLibraryForm</New>
+</FormTemplates>
+</file>
+
+<file path=customXml/item2.xml><?xml version="1.0" encoding="utf-8"?>
 <p:properties xmlns:p="http://schemas.microsoft.com/office/2006/metadata/properties" xmlns:xsi="http://www.w3.org/2001/XMLSchema-instance" xmlns:pc="http://schemas.microsoft.com/office/infopath/2007/PartnerControls">
   <documentManagement>
     <DirectSourceMarket xmlns="4873beb7-5857-4685-be1f-d57550cc96cc" xsi:nil="true"/>
@@ -11489,7 +11871,7 @@
 </p:properties>
 </file>
 
-<file path=customXml/item2.xml><?xml version="1.0" encoding="utf-8"?>
+<file path=customXml/item3.xml><?xml version="1.0" encoding="utf-8"?>
 <ct:contentTypeSchema xmlns:ct="http://schemas.microsoft.com/office/2006/metadata/contentType" xmlns:ma="http://schemas.microsoft.com/office/2006/metadata/properties/metaAttributes" ct:_="" ma:_="" ma:contentTypeName="TemplateFile" ma:contentTypeID="0x0101006EDDDB5EE6D98C44930B742096920B300400F5B6D36B3EF94B4E9A635CDF2A18F5B8" ma:contentTypeVersion="72" ma:contentTypeDescription="Create a new document." ma:contentTypeScope="" ma:versionID="a23e56308344d904b51738559c3d67c9">
   <xsd:schema xmlns:xsd="http://www.w3.org/2001/XMLSchema" xmlns:xs="http://www.w3.org/2001/XMLSchema" xmlns:p="http://schemas.microsoft.com/office/2006/metadata/properties" xmlns:ns2="4873beb7-5857-4685-be1f-d57550cc96cc" targetNamespace="http://schemas.microsoft.com/office/2006/metadata/properties" ma:root="true" ma:fieldsID="cd0908cc4600e77bf5da051303e00c8d" ns2:_="">
     <xsd:import namespace="4873beb7-5857-4685-be1f-d57550cc96cc"/>
@@ -12529,32 +12911,31 @@
 </ct:contentTypeSchema>
 </file>
 
-<file path=customXml/item3.xml><?xml version="1.0" encoding="utf-8"?>
-<?mso-contentType ?>
-<FormTemplates xmlns="http://schemas.microsoft.com/sharepoint/v3/contenttype/forms">
-  <Display>DocumentLibraryForm</Display>
-  <Edit>AssetEditForm</Edit>
-  <New>DocumentLibraryForm</New>
-</FormTemplates>
-</file>
-
 <file path=customXml/itemProps1.xml><?xml version="1.0" encoding="utf-8"?>
-<ds:datastoreItem xmlns:ds="http://schemas.openxmlformats.org/officeDocument/2006/customXml" ds:itemID="{00E41224-0370-4595-877C-23316CD80004}">
+<ds:datastoreItem xmlns:ds="http://schemas.openxmlformats.org/officeDocument/2006/customXml" ds:itemID="{74228E6B-D70C-44BB-A81F-A245495F612B}">
   <ds:schemaRefs>
-    <ds:schemaRef ds:uri="http://www.w3.org/XML/1998/namespace"/>
-    <ds:schemaRef ds:uri="http://purl.org/dc/dcmitype/"/>
-    <ds:schemaRef ds:uri="http://purl.org/dc/elements/1.1/"/>
-    <ds:schemaRef ds:uri="http://purl.org/dc/terms/"/>
-    <ds:schemaRef ds:uri="4873beb7-5857-4685-be1f-d57550cc96cc"/>
-    <ds:schemaRef ds:uri="http://schemas.microsoft.com/office/infopath/2007/PartnerControls"/>
-    <ds:schemaRef ds:uri="http://schemas.microsoft.com/office/2006/metadata/properties"/>
-    <ds:schemaRef ds:uri="http://schemas.microsoft.com/office/2006/documentManagement/types"/>
-    <ds:schemaRef ds:uri="http://schemas.openxmlformats.org/package/2006/metadata/core-properties"/>
+    <ds:schemaRef ds:uri="http://schemas.microsoft.com/sharepoint/v3/contenttype/forms"/>
   </ds:schemaRefs>
 </ds:datastoreItem>
 </file>
 
 <file path=customXml/itemProps2.xml><?xml version="1.0" encoding="utf-8"?>
+<ds:datastoreItem xmlns:ds="http://schemas.openxmlformats.org/officeDocument/2006/customXml" ds:itemID="{00E41224-0370-4595-877C-23316CD80004}">
+  <ds:schemaRefs>
+    <ds:schemaRef ds:uri="4873beb7-5857-4685-be1f-d57550cc96cc"/>
+    <ds:schemaRef ds:uri="http://schemas.openxmlformats.org/package/2006/metadata/core-properties"/>
+    <ds:schemaRef ds:uri="http://schemas.microsoft.com/office/2006/metadata/properties"/>
+    <ds:schemaRef ds:uri="http://schemas.microsoft.com/office/infopath/2007/PartnerControls"/>
+    <ds:schemaRef ds:uri="http://schemas.microsoft.com/office/2006/documentManagement/types"/>
+    <ds:schemaRef ds:uri="http://purl.org/dc/dcmitype/"/>
+    <ds:schemaRef ds:uri="http://purl.org/dc/elements/1.1/"/>
+    <ds:schemaRef ds:uri="http://www.w3.org/XML/1998/namespace"/>
+    <ds:schemaRef ds:uri="http://purl.org/dc/terms/"/>
+  </ds:schemaRefs>
+</ds:datastoreItem>
+</file>
+
+<file path=customXml/itemProps3.xml><?xml version="1.0" encoding="utf-8"?>
 <ds:datastoreItem xmlns:ds="http://schemas.openxmlformats.org/officeDocument/2006/customXml" ds:itemID="{22CCB507-0646-4A50-A4F7-7F385079D589}">
   <ds:schemaRefs>
     <ds:schemaRef ds:uri="http://schemas.microsoft.com/office/2006/metadata/contentType"/>
@@ -12570,12 +12951,4 @@
     <ds:schemaRef ds:uri="http://schemas.microsoft.com/internal/obd"/>
   </ds:schemaRefs>
 </ds:datastoreItem>
-</file>
-
-<file path=customXml/itemProps3.xml><?xml version="1.0" encoding="utf-8"?>
-<ds:datastoreItem xmlns:ds="http://schemas.openxmlformats.org/officeDocument/2006/customXml" ds:itemID="{74228E6B-D70C-44BB-A81F-A245495F612B}">
-  <ds:schemaRefs>
-    <ds:schemaRef ds:uri="http://schemas.microsoft.com/sharepoint/v3/contenttype/forms"/>
-  </ds:schemaRefs>
-</ds:datastoreItem>
 </file>